--- a/01_FoundationProjects/05_Car_1_Infrared_ObstacleAvoidance/05_Car_1_Infrared_ObstacleAvoidance.pptx
+++ b/01_FoundationProjects/05_Car_1_Infrared_ObstacleAvoidance/05_Car_1_Infrared_ObstacleAvoidance.pptx
@@ -152,7 +152,7 @@
       </p:grpSpPr>
       <p:sp>
         <p:nvSpPr>
-          <p:cNvPr id="2066002952" name="Header Placeholder 1"/>
+          <p:cNvPr id="807266140" name="Header Placeholder 1"/>
           <p:cNvSpPr>
             <a:spLocks noGrp="1"/>
           </p:cNvSpPr>
@@ -186,7 +186,7 @@
       </p:sp>
       <p:sp>
         <p:nvSpPr>
-          <p:cNvPr id="1859333968" name="Date Placeholder 2"/>
+          <p:cNvPr id="375382775" name="Date Placeholder 2"/>
           <p:cNvSpPr>
             <a:spLocks noGrp="1"/>
           </p:cNvSpPr>
@@ -220,7 +220,7 @@
       </p:sp>
       <p:sp>
         <p:nvSpPr>
-          <p:cNvPr id="1380796785" name="Date Placeholder 2"/>
+          <p:cNvPr id="1551963156" name="Date Placeholder 2"/>
           <p:cNvSpPr>
             <a:spLocks noGrp="1"/>
           </p:cNvSpPr>
@@ -254,7 +254,7 @@
       </p:sp>
       <p:sp>
         <p:nvSpPr>
-          <p:cNvPr id="192624669" name="Notes Placeholder 4"/>
+          <p:cNvPr id="333590387" name="Notes Placeholder 4"/>
           <p:cNvSpPr>
             <a:spLocks noGrp="1"/>
           </p:cNvSpPr>
@@ -284,7 +284,7 @@
       </p:sp>
       <p:sp>
         <p:nvSpPr>
-          <p:cNvPr id="772858467" name="Footer Placeholder 5"/>
+          <p:cNvPr id="983139771" name="Footer Placeholder 5"/>
           <p:cNvSpPr>
             <a:spLocks noGrp="1"/>
           </p:cNvSpPr>
@@ -318,7 +318,7 @@
       </p:sp>
       <p:sp>
         <p:nvSpPr>
-          <p:cNvPr id="1844589490" name="Slide Number Placeholder 6"/>
+          <p:cNvPr id="1949312443" name="Slide Number Placeholder 6"/>
           <p:cNvSpPr>
             <a:spLocks noGrp="1"/>
           </p:cNvSpPr>
@@ -467,7 +467,7 @@
       </p:grpSpPr>
       <p:sp>
         <p:nvSpPr>
-          <p:cNvPr id="1829064277" name="Slide Image Placeholder 1"/>
+          <p:cNvPr id="7882636" name="Slide Image Placeholder 1"/>
           <p:cNvSpPr>
             <a:spLocks noChangeAspect="1" noGrp="1" noRot="1"/>
           </p:cNvSpPr>
@@ -479,7 +479,7 @@
       </p:sp>
       <p:sp>
         <p:nvSpPr>
-          <p:cNvPr id="1198312816" name="Notes Placeholder 2"/>
+          <p:cNvPr id="1917828538" name="Notes Placeholder 2"/>
           <p:cNvSpPr>
             <a:spLocks noGrp="1"/>
           </p:cNvSpPr>
@@ -501,7 +501,7 @@
       </p:sp>
       <p:sp>
         <p:nvSpPr>
-          <p:cNvPr id="1781635803" name="Slide Number Placeholder 3"/>
+          <p:cNvPr id="842054144" name="Slide Number Placeholder 3"/>
           <p:cNvSpPr>
             <a:spLocks noGrp="1"/>
           </p:cNvSpPr>
@@ -549,7 +549,7 @@
       </p:grpSpPr>
       <p:sp>
         <p:nvSpPr>
-          <p:cNvPr id="1569978962" name="Slide Image Placeholder 1"/>
+          <p:cNvPr id="543882214" name="Slide Image Placeholder 1"/>
           <p:cNvSpPr>
             <a:spLocks noChangeAspect="1" noGrp="1" noRot="1"/>
           </p:cNvSpPr>
@@ -561,7 +561,7 @@
       </p:sp>
       <p:sp>
         <p:nvSpPr>
-          <p:cNvPr id="1724195086" name="Notes Placeholder 2"/>
+          <p:cNvPr id="1715992264" name="Notes Placeholder 2"/>
           <p:cNvSpPr>
             <a:spLocks noGrp="1"/>
           </p:cNvSpPr>
@@ -583,7 +583,7 @@
       </p:sp>
       <p:sp>
         <p:nvSpPr>
-          <p:cNvPr id="1072603808" name="Slide Number Placeholder 3"/>
+          <p:cNvPr id="1456603353" name="Slide Number Placeholder 3"/>
           <p:cNvSpPr>
             <a:spLocks noGrp="1"/>
           </p:cNvSpPr>
@@ -631,7 +631,7 @@
       </p:grpSpPr>
       <p:sp>
         <p:nvSpPr>
-          <p:cNvPr id="1517729882" name="Slide Image Placeholder 1"/>
+          <p:cNvPr id="1376977924" name="Slide Image Placeholder 1"/>
           <p:cNvSpPr>
             <a:spLocks noChangeAspect="1" noGrp="1" noRot="1"/>
           </p:cNvSpPr>
@@ -643,7 +643,7 @@
       </p:sp>
       <p:sp>
         <p:nvSpPr>
-          <p:cNvPr id="290998405" name="Notes Placeholder 2"/>
+          <p:cNvPr id="677757705" name="Notes Placeholder 2"/>
           <p:cNvSpPr>
             <a:spLocks noGrp="1"/>
           </p:cNvSpPr>
@@ -665,7 +665,7 @@
       </p:sp>
       <p:sp>
         <p:nvSpPr>
-          <p:cNvPr id="1133700161" name="Slide Number Placeholder 3"/>
+          <p:cNvPr id="1346175864" name="Slide Number Placeholder 3"/>
           <p:cNvSpPr>
             <a:spLocks noGrp="1"/>
           </p:cNvSpPr>
@@ -713,7 +713,7 @@
       </p:grpSpPr>
       <p:sp>
         <p:nvSpPr>
-          <p:cNvPr id="1944214529" name="Slide Image Placeholder 1"/>
+          <p:cNvPr id="1105588246" name="Slide Image Placeholder 1"/>
           <p:cNvSpPr>
             <a:spLocks noChangeAspect="1" noGrp="1" noRot="1"/>
           </p:cNvSpPr>
@@ -725,7 +725,7 @@
       </p:sp>
       <p:sp>
         <p:nvSpPr>
-          <p:cNvPr id="555775216" name="Notes Placeholder 2"/>
+          <p:cNvPr id="85144714" name="Notes Placeholder 2"/>
           <p:cNvSpPr>
             <a:spLocks noGrp="1"/>
           </p:cNvSpPr>
@@ -747,7 +747,7 @@
       </p:sp>
       <p:sp>
         <p:nvSpPr>
-          <p:cNvPr id="1529682340" name="Slide Number Placeholder 3"/>
+          <p:cNvPr id="986849124" name="Slide Number Placeholder 3"/>
           <p:cNvSpPr>
             <a:spLocks noGrp="1"/>
           </p:cNvSpPr>
@@ -795,7 +795,7 @@
       </p:grpSpPr>
       <p:sp>
         <p:nvSpPr>
-          <p:cNvPr id="803056311" name="Slide Image Placeholder 1"/>
+          <p:cNvPr id="1194607388" name="Slide Image Placeholder 1"/>
           <p:cNvSpPr>
             <a:spLocks noChangeAspect="1" noGrp="1" noRot="1"/>
           </p:cNvSpPr>
@@ -807,7 +807,7 @@
       </p:sp>
       <p:sp>
         <p:nvSpPr>
-          <p:cNvPr id="2144051884" name="Notes Placeholder 2"/>
+          <p:cNvPr id="1155056327" name="Notes Placeholder 2"/>
           <p:cNvSpPr>
             <a:spLocks noGrp="1"/>
           </p:cNvSpPr>
@@ -829,7 +829,7 @@
       </p:sp>
       <p:sp>
         <p:nvSpPr>
-          <p:cNvPr id="2049808413" name="Slide Number Placeholder 3"/>
+          <p:cNvPr id="1897713126" name="Slide Number Placeholder 3"/>
           <p:cNvSpPr>
             <a:spLocks noGrp="1"/>
           </p:cNvSpPr>
@@ -877,7 +877,7 @@
       </p:grpSpPr>
       <p:sp>
         <p:nvSpPr>
-          <p:cNvPr id="1675682325" name="Slide Image Placeholder 1"/>
+          <p:cNvPr id="482794778" name="Slide Image Placeholder 1"/>
           <p:cNvSpPr>
             <a:spLocks noChangeAspect="1" noGrp="1" noRot="1"/>
           </p:cNvSpPr>
@@ -889,7 +889,7 @@
       </p:sp>
       <p:sp>
         <p:nvSpPr>
-          <p:cNvPr id="590564140" name="Notes Placeholder 2"/>
+          <p:cNvPr id="2118122216" name="Notes Placeholder 2"/>
           <p:cNvSpPr>
             <a:spLocks noGrp="1"/>
           </p:cNvSpPr>
@@ -911,7 +911,7 @@
       </p:sp>
       <p:sp>
         <p:nvSpPr>
-          <p:cNvPr id="208023746" name="Slide Number Placeholder 3"/>
+          <p:cNvPr id="921374085" name="Slide Number Placeholder 3"/>
           <p:cNvSpPr>
             <a:spLocks noGrp="1"/>
           </p:cNvSpPr>
@@ -959,7 +959,7 @@
       </p:grpSpPr>
       <p:sp>
         <p:nvSpPr>
-          <p:cNvPr id="396883569" name="Slide Image Placeholder 1"/>
+          <p:cNvPr id="1687596207" name="Slide Image Placeholder 1"/>
           <p:cNvSpPr>
             <a:spLocks noChangeAspect="1" noGrp="1" noRot="1"/>
           </p:cNvSpPr>
@@ -971,7 +971,7 @@
       </p:sp>
       <p:sp>
         <p:nvSpPr>
-          <p:cNvPr id="1669115225" name="Notes Placeholder 2"/>
+          <p:cNvPr id="5080987" name="Notes Placeholder 2"/>
           <p:cNvSpPr>
             <a:spLocks noGrp="1"/>
           </p:cNvSpPr>
@@ -993,7 +993,7 @@
       </p:sp>
       <p:sp>
         <p:nvSpPr>
-          <p:cNvPr id="583919710" name="Slide Number Placeholder 3"/>
+          <p:cNvPr id="478766329" name="Slide Number Placeholder 3"/>
           <p:cNvSpPr>
             <a:spLocks noGrp="1"/>
           </p:cNvSpPr>
@@ -1041,7 +1041,7 @@
       </p:grpSpPr>
       <p:sp>
         <p:nvSpPr>
-          <p:cNvPr id="1601913096" name="Slide Image Placeholder 1"/>
+          <p:cNvPr id="1365203486" name="Slide Image Placeholder 1"/>
           <p:cNvSpPr>
             <a:spLocks noChangeAspect="1" noGrp="1" noRot="1"/>
           </p:cNvSpPr>
@@ -1053,7 +1053,7 @@
       </p:sp>
       <p:sp>
         <p:nvSpPr>
-          <p:cNvPr id="1582526393" name="Notes Placeholder 2"/>
+          <p:cNvPr id="1668770121" name="Notes Placeholder 2"/>
           <p:cNvSpPr>
             <a:spLocks noGrp="1"/>
           </p:cNvSpPr>
@@ -1075,7 +1075,7 @@
       </p:sp>
       <p:sp>
         <p:nvSpPr>
-          <p:cNvPr id="1921204370" name="Slide Number Placeholder 3"/>
+          <p:cNvPr id="883791821" name="Slide Number Placeholder 3"/>
           <p:cNvSpPr>
             <a:spLocks noGrp="1"/>
           </p:cNvSpPr>
@@ -1123,7 +1123,7 @@
       </p:grpSpPr>
       <p:sp>
         <p:nvSpPr>
-          <p:cNvPr id="635744235" name="Slide Image Placeholder 1"/>
+          <p:cNvPr id="517995023" name="Slide Image Placeholder 1"/>
           <p:cNvSpPr>
             <a:spLocks noChangeAspect="1" noGrp="1" noRot="1"/>
           </p:cNvSpPr>
@@ -1135,7 +1135,7 @@
       </p:sp>
       <p:sp>
         <p:nvSpPr>
-          <p:cNvPr id="1634885739" name="Notes Placeholder 2"/>
+          <p:cNvPr id="1016121099" name="Notes Placeholder 2"/>
           <p:cNvSpPr>
             <a:spLocks noGrp="1"/>
           </p:cNvSpPr>
@@ -1157,7 +1157,7 @@
       </p:sp>
       <p:sp>
         <p:nvSpPr>
-          <p:cNvPr id="1965643146" name="Slide Number Placeholder 3"/>
+          <p:cNvPr id="1704431789" name="Slide Number Placeholder 3"/>
           <p:cNvSpPr>
             <a:spLocks noGrp="1"/>
           </p:cNvSpPr>
@@ -1205,7 +1205,7 @@
       </p:grpSpPr>
       <p:sp>
         <p:nvSpPr>
-          <p:cNvPr id="1544811032" name="Slide Image Placeholder 1"/>
+          <p:cNvPr id="988330881" name="Slide Image Placeholder 1"/>
           <p:cNvSpPr>
             <a:spLocks noChangeAspect="1" noGrp="1" noRot="1"/>
           </p:cNvSpPr>
@@ -1217,7 +1217,7 @@
       </p:sp>
       <p:sp>
         <p:nvSpPr>
-          <p:cNvPr id="145177199" name="Notes Placeholder 2"/>
+          <p:cNvPr id="84957933" name="Notes Placeholder 2"/>
           <p:cNvSpPr>
             <a:spLocks noGrp="1"/>
           </p:cNvSpPr>
@@ -1239,7 +1239,7 @@
       </p:sp>
       <p:sp>
         <p:nvSpPr>
-          <p:cNvPr id="544299171" name="Slide Number Placeholder 3"/>
+          <p:cNvPr id="3570422" name="Slide Number Placeholder 3"/>
           <p:cNvSpPr>
             <a:spLocks noGrp="1"/>
           </p:cNvSpPr>
@@ -1287,7 +1287,7 @@
       </p:grpSpPr>
       <p:sp>
         <p:nvSpPr>
-          <p:cNvPr id="1391977929" name="Slide Image Placeholder 1"/>
+          <p:cNvPr id="1372410073" name="Slide Image Placeholder 1"/>
           <p:cNvSpPr>
             <a:spLocks noChangeAspect="1" noGrp="1" noRot="1"/>
           </p:cNvSpPr>
@@ -1299,7 +1299,7 @@
       </p:sp>
       <p:sp>
         <p:nvSpPr>
-          <p:cNvPr id="2138729144" name="Notes Placeholder 2"/>
+          <p:cNvPr id="1231163498" name="Notes Placeholder 2"/>
           <p:cNvSpPr>
             <a:spLocks noGrp="1"/>
           </p:cNvSpPr>
@@ -1321,7 +1321,7 @@
       </p:sp>
       <p:sp>
         <p:nvSpPr>
-          <p:cNvPr id="1134746519" name="Slide Number Placeholder 3"/>
+          <p:cNvPr id="1534729860" name="Slide Number Placeholder 3"/>
           <p:cNvSpPr>
             <a:spLocks noGrp="1"/>
           </p:cNvSpPr>
@@ -1369,7 +1369,7 @@
       </p:grpSpPr>
       <p:sp>
         <p:nvSpPr>
-          <p:cNvPr id="1969370778" name="Slide Image Placeholder 1"/>
+          <p:cNvPr id="351254298" name="Slide Image Placeholder 1"/>
           <p:cNvSpPr>
             <a:spLocks noChangeAspect="1" noGrp="1" noRot="1"/>
           </p:cNvSpPr>
@@ -1381,7 +1381,7 @@
       </p:sp>
       <p:sp>
         <p:nvSpPr>
-          <p:cNvPr id="2066951165" name="Notes Placeholder 2"/>
+          <p:cNvPr id="1234775161" name="Notes Placeholder 2"/>
           <p:cNvSpPr>
             <a:spLocks noGrp="1"/>
           </p:cNvSpPr>
@@ -1403,7 +1403,7 @@
       </p:sp>
       <p:sp>
         <p:nvSpPr>
-          <p:cNvPr id="1790229316" name="Slide Number Placeholder 3"/>
+          <p:cNvPr id="1266544808" name="Slide Number Placeholder 3"/>
           <p:cNvSpPr>
             <a:spLocks noGrp="1"/>
           </p:cNvSpPr>
@@ -1451,7 +1451,7 @@
       </p:grpSpPr>
       <p:sp>
         <p:nvSpPr>
-          <p:cNvPr id="543755836" name="Slide Image Placeholder 1"/>
+          <p:cNvPr id="1383243847" name="Slide Image Placeholder 1"/>
           <p:cNvSpPr>
             <a:spLocks noChangeAspect="1" noGrp="1" noRot="1"/>
           </p:cNvSpPr>
@@ -1463,7 +1463,7 @@
       </p:sp>
       <p:sp>
         <p:nvSpPr>
-          <p:cNvPr id="260327143" name="Notes Placeholder 2"/>
+          <p:cNvPr id="2056311236" name="Notes Placeholder 2"/>
           <p:cNvSpPr>
             <a:spLocks noGrp="1"/>
           </p:cNvSpPr>
@@ -1485,7 +1485,7 @@
       </p:sp>
       <p:sp>
         <p:nvSpPr>
-          <p:cNvPr id="1874085800" name="Slide Number Placeholder 3"/>
+          <p:cNvPr id="1412591194" name="Slide Number Placeholder 3"/>
           <p:cNvSpPr>
             <a:spLocks noGrp="1"/>
           </p:cNvSpPr>
@@ -1533,7 +1533,7 @@
       </p:grpSpPr>
       <p:sp>
         <p:nvSpPr>
-          <p:cNvPr id="2019434380" name="Slide Image Placeholder 1"/>
+          <p:cNvPr id="1164267921" name="Slide Image Placeholder 1"/>
           <p:cNvSpPr>
             <a:spLocks noChangeAspect="1" noGrp="1" noRot="1"/>
           </p:cNvSpPr>
@@ -1545,7 +1545,7 @@
       </p:sp>
       <p:sp>
         <p:nvSpPr>
-          <p:cNvPr id="1799472561" name="Notes Placeholder 2"/>
+          <p:cNvPr id="627069280" name="Notes Placeholder 2"/>
           <p:cNvSpPr>
             <a:spLocks noGrp="1"/>
           </p:cNvSpPr>
@@ -1567,7 +1567,7 @@
       </p:sp>
       <p:sp>
         <p:nvSpPr>
-          <p:cNvPr id="236979445" name="Slide Number Placeholder 3"/>
+          <p:cNvPr id="587784753" name="Slide Number Placeholder 3"/>
           <p:cNvSpPr>
             <a:spLocks noGrp="1"/>
           </p:cNvSpPr>
@@ -1615,7 +1615,7 @@
       </p:grpSpPr>
       <p:sp>
         <p:nvSpPr>
-          <p:cNvPr id="185270519" name="Slide Image Placeholder 1"/>
+          <p:cNvPr id="254576212" name="Slide Image Placeholder 1"/>
           <p:cNvSpPr>
             <a:spLocks noChangeAspect="1" noGrp="1" noRot="1"/>
           </p:cNvSpPr>
@@ -1627,7 +1627,7 @@
       </p:sp>
       <p:sp>
         <p:nvSpPr>
-          <p:cNvPr id="1069471076" name="Notes Placeholder 2"/>
+          <p:cNvPr id="1694440871" name="Notes Placeholder 2"/>
           <p:cNvSpPr>
             <a:spLocks noGrp="1"/>
           </p:cNvSpPr>
@@ -1649,7 +1649,7 @@
       </p:sp>
       <p:sp>
         <p:nvSpPr>
-          <p:cNvPr id="1750576803" name="Slide Number Placeholder 3"/>
+          <p:cNvPr id="1604813585" name="Slide Number Placeholder 3"/>
           <p:cNvSpPr>
             <a:spLocks noGrp="1"/>
           </p:cNvSpPr>
@@ -1697,7 +1697,7 @@
       </p:grpSpPr>
       <p:sp>
         <p:nvSpPr>
-          <p:cNvPr id="468392351" name="Slide Image Placeholder 1"/>
+          <p:cNvPr id="1742417451" name="Slide Image Placeholder 1"/>
           <p:cNvSpPr>
             <a:spLocks noChangeAspect="1" noGrp="1" noRot="1"/>
           </p:cNvSpPr>
@@ -1709,7 +1709,7 @@
       </p:sp>
       <p:sp>
         <p:nvSpPr>
-          <p:cNvPr id="1065017130" name="Notes Placeholder 2"/>
+          <p:cNvPr id="2048423448" name="Notes Placeholder 2"/>
           <p:cNvSpPr>
             <a:spLocks noGrp="1"/>
           </p:cNvSpPr>
@@ -1731,7 +1731,7 @@
       </p:sp>
       <p:sp>
         <p:nvSpPr>
-          <p:cNvPr id="2130133458" name="Slide Number Placeholder 3"/>
+          <p:cNvPr id="1647704866" name="Slide Number Placeholder 3"/>
           <p:cNvSpPr>
             <a:spLocks noGrp="1"/>
           </p:cNvSpPr>
@@ -1779,7 +1779,7 @@
       </p:grpSpPr>
       <p:sp>
         <p:nvSpPr>
-          <p:cNvPr id="310846758" name="Slide Image Placeholder 1"/>
+          <p:cNvPr id="435608329" name="Slide Image Placeholder 1"/>
           <p:cNvSpPr>
             <a:spLocks noChangeAspect="1" noGrp="1" noRot="1"/>
           </p:cNvSpPr>
@@ -1791,7 +1791,7 @@
       </p:sp>
       <p:sp>
         <p:nvSpPr>
-          <p:cNvPr id="1859759802" name="Notes Placeholder 2"/>
+          <p:cNvPr id="516500311" name="Notes Placeholder 2"/>
           <p:cNvSpPr>
             <a:spLocks noGrp="1"/>
           </p:cNvSpPr>
@@ -1813,7 +1813,7 @@
       </p:sp>
       <p:sp>
         <p:nvSpPr>
-          <p:cNvPr id="2042311448" name="Slide Number Placeholder 3"/>
+          <p:cNvPr id="437742129" name="Slide Number Placeholder 3"/>
           <p:cNvSpPr>
             <a:spLocks noGrp="1"/>
           </p:cNvSpPr>
@@ -1861,7 +1861,7 @@
       </p:grpSpPr>
       <p:sp>
         <p:nvSpPr>
-          <p:cNvPr id="457412233" name="Slide Image Placeholder 1"/>
+          <p:cNvPr id="1054438412" name="Slide Image Placeholder 1"/>
           <p:cNvSpPr>
             <a:spLocks noChangeAspect="1" noGrp="1" noRot="1"/>
           </p:cNvSpPr>
@@ -1873,7 +1873,7 @@
       </p:sp>
       <p:sp>
         <p:nvSpPr>
-          <p:cNvPr id="1324793301" name="Notes Placeholder 2"/>
+          <p:cNvPr id="1517090829" name="Notes Placeholder 2"/>
           <p:cNvSpPr>
             <a:spLocks noGrp="1"/>
           </p:cNvSpPr>
@@ -1895,7 +1895,7 @@
       </p:sp>
       <p:sp>
         <p:nvSpPr>
-          <p:cNvPr id="698885861" name="Slide Number Placeholder 3"/>
+          <p:cNvPr id="806707224" name="Slide Number Placeholder 3"/>
           <p:cNvSpPr>
             <a:spLocks noGrp="1"/>
           </p:cNvSpPr>
@@ -1943,7 +1943,7 @@
       </p:grpSpPr>
       <p:sp>
         <p:nvSpPr>
-          <p:cNvPr id="1382886699" name="Slide Image Placeholder 1"/>
+          <p:cNvPr id="1343030183" name="Slide Image Placeholder 1"/>
           <p:cNvSpPr>
             <a:spLocks noChangeAspect="1" noGrp="1" noRot="1"/>
           </p:cNvSpPr>
@@ -1955,7 +1955,7 @@
       </p:sp>
       <p:sp>
         <p:nvSpPr>
-          <p:cNvPr id="104127160" name="Notes Placeholder 2"/>
+          <p:cNvPr id="2053337575" name="Notes Placeholder 2"/>
           <p:cNvSpPr>
             <a:spLocks noGrp="1"/>
           </p:cNvSpPr>
@@ -1977,7 +1977,7 @@
       </p:sp>
       <p:sp>
         <p:nvSpPr>
-          <p:cNvPr id="864774438" name="Slide Number Placeholder 3"/>
+          <p:cNvPr id="905894536" name="Slide Number Placeholder 3"/>
           <p:cNvSpPr>
             <a:spLocks noGrp="1"/>
           </p:cNvSpPr>
@@ -2025,7 +2025,7 @@
       </p:grpSpPr>
       <p:sp>
         <p:nvSpPr>
-          <p:cNvPr id="289680489" name="Title 1"/>
+          <p:cNvPr id="1873775473" name="Title 1"/>
           <p:cNvSpPr>
             <a:spLocks noGrp="1"/>
           </p:cNvSpPr>
@@ -2060,7 +2060,7 @@
       </p:sp>
       <p:sp>
         <p:nvSpPr>
-          <p:cNvPr id="1809234539" name="Subtitle 2"/>
+          <p:cNvPr id="125754493" name="Subtitle 2"/>
           <p:cNvSpPr>
             <a:spLocks noGrp="1"/>
           </p:cNvSpPr>
@@ -2128,7 +2128,7 @@
       </p:sp>
       <p:sp>
         <p:nvSpPr>
-          <p:cNvPr id="630778231" name="Date Placeholder 3"/>
+          <p:cNvPr id="258348956" name="Date Placeholder 3"/>
           <p:cNvSpPr>
             <a:spLocks noGrp="1"/>
           </p:cNvSpPr>
@@ -2154,7 +2154,7 @@
       </p:sp>
       <p:sp>
         <p:nvSpPr>
-          <p:cNvPr id="1043160333" name="Footer Placeholder 4"/>
+          <p:cNvPr id="1213930705" name="Footer Placeholder 4"/>
           <p:cNvSpPr>
             <a:spLocks noGrp="1"/>
           </p:cNvSpPr>
@@ -2176,7 +2176,7 @@
       </p:sp>
       <p:sp>
         <p:nvSpPr>
-          <p:cNvPr id="895057085" name="Slide Number Placeholder 5"/>
+          <p:cNvPr id="577363295" name="Slide Number Placeholder 5"/>
           <p:cNvSpPr>
             <a:spLocks noGrp="1"/>
           </p:cNvSpPr>
@@ -2227,7 +2227,7 @@
       </p:grpSpPr>
       <p:sp>
         <p:nvSpPr>
-          <p:cNvPr id="924058020" name="Title 1"/>
+          <p:cNvPr id="643219164" name="Title 1"/>
           <p:cNvSpPr>
             <a:spLocks noGrp="1"/>
           </p:cNvSpPr>
@@ -2253,7 +2253,7 @@
       </p:sp>
       <p:sp>
         <p:nvSpPr>
-          <p:cNvPr id="703835197" name="Vertical Text Placeholder 2"/>
+          <p:cNvPr id="1655316466" name="Vertical Text Placeholder 2"/>
           <p:cNvSpPr>
             <a:spLocks noGrp="1"/>
           </p:cNvSpPr>
@@ -2319,7 +2319,7 @@
       </p:sp>
       <p:sp>
         <p:nvSpPr>
-          <p:cNvPr id="1734952263" name="Date Placeholder 3"/>
+          <p:cNvPr id="1185936118" name="Date Placeholder 3"/>
           <p:cNvSpPr>
             <a:spLocks noGrp="1"/>
           </p:cNvSpPr>
@@ -2345,7 +2345,7 @@
       </p:sp>
       <p:sp>
         <p:nvSpPr>
-          <p:cNvPr id="1133481964" name="Footer Placeholder 4"/>
+          <p:cNvPr id="1189486795" name="Footer Placeholder 4"/>
           <p:cNvSpPr>
             <a:spLocks noGrp="1"/>
           </p:cNvSpPr>
@@ -2367,7 +2367,7 @@
       </p:sp>
       <p:sp>
         <p:nvSpPr>
-          <p:cNvPr id="212017560" name="Slide Number Placeholder 5"/>
+          <p:cNvPr id="1790231918" name="Slide Number Placeholder 5"/>
           <p:cNvSpPr>
             <a:spLocks noGrp="1"/>
           </p:cNvSpPr>
@@ -2418,7 +2418,7 @@
       </p:grpSpPr>
       <p:sp>
         <p:nvSpPr>
-          <p:cNvPr id="904402915" name="Vertical Title 1"/>
+          <p:cNvPr id="1719980461" name="Vertical Title 1"/>
           <p:cNvSpPr>
             <a:spLocks noGrp="1"/>
           </p:cNvSpPr>
@@ -2449,7 +2449,7 @@
       </p:sp>
       <p:sp>
         <p:nvSpPr>
-          <p:cNvPr id="993299876" name="Vertical Text Placeholder 2"/>
+          <p:cNvPr id="89655383" name="Vertical Text Placeholder 2"/>
           <p:cNvSpPr>
             <a:spLocks noGrp="1"/>
           </p:cNvSpPr>
@@ -2520,7 +2520,7 @@
       </p:sp>
       <p:sp>
         <p:nvSpPr>
-          <p:cNvPr id="117723717" name="Date Placeholder 3"/>
+          <p:cNvPr id="243599404" name="Date Placeholder 3"/>
           <p:cNvSpPr>
             <a:spLocks noGrp="1"/>
           </p:cNvSpPr>
@@ -2546,7 +2546,7 @@
       </p:sp>
       <p:sp>
         <p:nvSpPr>
-          <p:cNvPr id="388222573" name="Footer Placeholder 4"/>
+          <p:cNvPr id="1851282083" name="Footer Placeholder 4"/>
           <p:cNvSpPr>
             <a:spLocks noGrp="1"/>
           </p:cNvSpPr>
@@ -2568,7 +2568,7 @@
       </p:sp>
       <p:sp>
         <p:nvSpPr>
-          <p:cNvPr id="1413559624" name="Slide Number Placeholder 5"/>
+          <p:cNvPr id="1956857319" name="Slide Number Placeholder 5"/>
           <p:cNvSpPr>
             <a:spLocks noGrp="1"/>
           </p:cNvSpPr>
@@ -2619,7 +2619,7 @@
       </p:grpSpPr>
       <p:sp>
         <p:nvSpPr>
-          <p:cNvPr id="1895527805" name="Title 1"/>
+          <p:cNvPr id="1843737579" name="Title 1"/>
           <p:cNvSpPr>
             <a:spLocks noGrp="1"/>
           </p:cNvSpPr>
@@ -2645,7 +2645,7 @@
       </p:sp>
       <p:sp>
         <p:nvSpPr>
-          <p:cNvPr id="1387251252" name="Content Placeholder 2"/>
+          <p:cNvPr id="1588646709" name="Content Placeholder 2"/>
           <p:cNvSpPr>
             <a:spLocks noGrp="1"/>
           </p:cNvSpPr>
@@ -2711,7 +2711,7 @@
       </p:sp>
       <p:sp>
         <p:nvSpPr>
-          <p:cNvPr id="1728059168" name="Date Placeholder 3"/>
+          <p:cNvPr id="239900546" name="Date Placeholder 3"/>
           <p:cNvSpPr>
             <a:spLocks noGrp="1"/>
           </p:cNvSpPr>
@@ -2737,7 +2737,7 @@
       </p:sp>
       <p:sp>
         <p:nvSpPr>
-          <p:cNvPr id="1711745730" name="Footer Placeholder 4"/>
+          <p:cNvPr id="1007834113" name="Footer Placeholder 4"/>
           <p:cNvSpPr>
             <a:spLocks noGrp="1"/>
           </p:cNvSpPr>
@@ -2759,7 +2759,7 @@
       </p:sp>
       <p:sp>
         <p:nvSpPr>
-          <p:cNvPr id="2045450870" name="Slide Number Placeholder 5"/>
+          <p:cNvPr id="1634748663" name="Slide Number Placeholder 5"/>
           <p:cNvSpPr>
             <a:spLocks noGrp="1"/>
           </p:cNvSpPr>
@@ -2810,7 +2810,7 @@
       </p:grpSpPr>
       <p:sp>
         <p:nvSpPr>
-          <p:cNvPr id="2028826109" name="Title 1"/>
+          <p:cNvPr id="1665032200" name="Title 1"/>
           <p:cNvSpPr>
             <a:spLocks noGrp="1"/>
           </p:cNvSpPr>
@@ -2845,7 +2845,7 @@
       </p:sp>
       <p:sp>
         <p:nvSpPr>
-          <p:cNvPr id="707066006" name="Text Placeholder 2"/>
+          <p:cNvPr id="1518517251" name="Text Placeholder 2"/>
           <p:cNvSpPr>
             <a:spLocks noGrp="1"/>
           </p:cNvSpPr>
@@ -2967,7 +2967,7 @@
       </p:sp>
       <p:sp>
         <p:nvSpPr>
-          <p:cNvPr id="1075156631" name="Date Placeholder 3"/>
+          <p:cNvPr id="172351898" name="Date Placeholder 3"/>
           <p:cNvSpPr>
             <a:spLocks noGrp="1"/>
           </p:cNvSpPr>
@@ -2993,7 +2993,7 @@
       </p:sp>
       <p:sp>
         <p:nvSpPr>
-          <p:cNvPr id="1425731839" name="Footer Placeholder 4"/>
+          <p:cNvPr id="1961333776" name="Footer Placeholder 4"/>
           <p:cNvSpPr>
             <a:spLocks noGrp="1"/>
           </p:cNvSpPr>
@@ -3015,7 +3015,7 @@
       </p:sp>
       <p:sp>
         <p:nvSpPr>
-          <p:cNvPr id="1310261715" name="Slide Number Placeholder 5"/>
+          <p:cNvPr id="1805732395" name="Slide Number Placeholder 5"/>
           <p:cNvSpPr>
             <a:spLocks noGrp="1"/>
           </p:cNvSpPr>
@@ -3066,7 +3066,7 @@
       </p:grpSpPr>
       <p:sp>
         <p:nvSpPr>
-          <p:cNvPr id="622046461" name="Title 1"/>
+          <p:cNvPr id="752073915" name="Title 1"/>
           <p:cNvSpPr>
             <a:spLocks noGrp="1"/>
           </p:cNvSpPr>
@@ -3092,7 +3092,7 @@
       </p:sp>
       <p:sp>
         <p:nvSpPr>
-          <p:cNvPr id="1523772692" name="Content Placeholder 2"/>
+          <p:cNvPr id="1425553922" name="Content Placeholder 2"/>
           <p:cNvSpPr>
             <a:spLocks noGrp="1"/>
           </p:cNvSpPr>
@@ -3163,7 +3163,7 @@
       </p:sp>
       <p:sp>
         <p:nvSpPr>
-          <p:cNvPr id="1549517229" name="Content Placeholder 3"/>
+          <p:cNvPr id="1840666493" name="Content Placeholder 3"/>
           <p:cNvSpPr>
             <a:spLocks noGrp="1"/>
           </p:cNvSpPr>
@@ -3234,7 +3234,7 @@
       </p:sp>
       <p:sp>
         <p:nvSpPr>
-          <p:cNvPr id="1284127204" name="Date Placeholder 4"/>
+          <p:cNvPr id="429864920" name="Date Placeholder 4"/>
           <p:cNvSpPr>
             <a:spLocks noGrp="1"/>
           </p:cNvSpPr>
@@ -3260,7 +3260,7 @@
       </p:sp>
       <p:sp>
         <p:nvSpPr>
-          <p:cNvPr id="1244955451" name="Footer Placeholder 5"/>
+          <p:cNvPr id="1762195850" name="Footer Placeholder 5"/>
           <p:cNvSpPr>
             <a:spLocks noGrp="1"/>
           </p:cNvSpPr>
@@ -3282,7 +3282,7 @@
       </p:sp>
       <p:sp>
         <p:nvSpPr>
-          <p:cNvPr id="959974404" name="Slide Number Placeholder 6"/>
+          <p:cNvPr id="1600264782" name="Slide Number Placeholder 6"/>
           <p:cNvSpPr>
             <a:spLocks noGrp="1"/>
           </p:cNvSpPr>
@@ -3333,7 +3333,7 @@
       </p:grpSpPr>
       <p:sp>
         <p:nvSpPr>
-          <p:cNvPr id="2112680127" name="Title 1"/>
+          <p:cNvPr id="980611919" name="Title 1"/>
           <p:cNvSpPr>
             <a:spLocks noGrp="1"/>
           </p:cNvSpPr>
@@ -3364,7 +3364,7 @@
       </p:sp>
       <p:sp>
         <p:nvSpPr>
-          <p:cNvPr id="399582787" name="Text Placeholder 2"/>
+          <p:cNvPr id="923348409" name="Text Placeholder 2"/>
           <p:cNvSpPr>
             <a:spLocks noGrp="1"/>
           </p:cNvSpPr>
@@ -3432,7 +3432,7 @@
       </p:sp>
       <p:sp>
         <p:nvSpPr>
-          <p:cNvPr id="2045011740" name="Content Placeholder 3"/>
+          <p:cNvPr id="1226931796" name="Content Placeholder 3"/>
           <p:cNvSpPr>
             <a:spLocks noGrp="1"/>
           </p:cNvSpPr>
@@ -3503,7 +3503,7 @@
       </p:sp>
       <p:sp>
         <p:nvSpPr>
-          <p:cNvPr id="1673624496" name="Text Placeholder 4"/>
+          <p:cNvPr id="1804709105" name="Text Placeholder 4"/>
           <p:cNvSpPr>
             <a:spLocks noGrp="1"/>
           </p:cNvSpPr>
@@ -3571,7 +3571,7 @@
       </p:sp>
       <p:sp>
         <p:nvSpPr>
-          <p:cNvPr id="1070919396" name="Content Placeholder 5"/>
+          <p:cNvPr id="1411451297" name="Content Placeholder 5"/>
           <p:cNvSpPr>
             <a:spLocks noGrp="1"/>
           </p:cNvSpPr>
@@ -3642,7 +3642,7 @@
       </p:sp>
       <p:sp>
         <p:nvSpPr>
-          <p:cNvPr id="348249337" name="Date Placeholder 6"/>
+          <p:cNvPr id="1668285327" name="Date Placeholder 6"/>
           <p:cNvSpPr>
             <a:spLocks noGrp="1"/>
           </p:cNvSpPr>
@@ -3668,7 +3668,7 @@
       </p:sp>
       <p:sp>
         <p:nvSpPr>
-          <p:cNvPr id="1641838934" name="Footer Placeholder 7"/>
+          <p:cNvPr id="1296973553" name="Footer Placeholder 7"/>
           <p:cNvSpPr>
             <a:spLocks noGrp="1"/>
           </p:cNvSpPr>
@@ -3690,7 +3690,7 @@
       </p:sp>
       <p:sp>
         <p:nvSpPr>
-          <p:cNvPr id="1618752027" name="Slide Number Placeholder 8"/>
+          <p:cNvPr id="913290081" name="Slide Number Placeholder 8"/>
           <p:cNvSpPr>
             <a:spLocks noGrp="1"/>
           </p:cNvSpPr>
@@ -3741,7 +3741,7 @@
       </p:grpSpPr>
       <p:sp>
         <p:nvSpPr>
-          <p:cNvPr id="691941854" name="Title 1"/>
+          <p:cNvPr id="1660920674" name="Title 1"/>
           <p:cNvSpPr>
             <a:spLocks noGrp="1"/>
           </p:cNvSpPr>
@@ -3767,7 +3767,7 @@
       </p:sp>
       <p:sp>
         <p:nvSpPr>
-          <p:cNvPr id="2031435953" name="Date Placeholder 2"/>
+          <p:cNvPr id="982795056" name="Date Placeholder 2"/>
           <p:cNvSpPr>
             <a:spLocks noGrp="1"/>
           </p:cNvSpPr>
@@ -3793,7 +3793,7 @@
       </p:sp>
       <p:sp>
         <p:nvSpPr>
-          <p:cNvPr id="1515935475" name="Footer Placeholder 3"/>
+          <p:cNvPr id="1934782775" name="Footer Placeholder 3"/>
           <p:cNvSpPr>
             <a:spLocks noGrp="1"/>
           </p:cNvSpPr>
@@ -3815,7 +3815,7 @@
       </p:sp>
       <p:sp>
         <p:nvSpPr>
-          <p:cNvPr id="968512011" name="Slide Number Placeholder 4"/>
+          <p:cNvPr id="816730595" name="Slide Number Placeholder 4"/>
           <p:cNvSpPr>
             <a:spLocks noGrp="1"/>
           </p:cNvSpPr>
@@ -3866,7 +3866,7 @@
       </p:grpSpPr>
       <p:sp>
         <p:nvSpPr>
-          <p:cNvPr id="1178947080" name="Date Placeholder 1"/>
+          <p:cNvPr id="821239479" name="Date Placeholder 1"/>
           <p:cNvSpPr>
             <a:spLocks noGrp="1"/>
           </p:cNvSpPr>
@@ -3892,7 +3892,7 @@
       </p:sp>
       <p:sp>
         <p:nvSpPr>
-          <p:cNvPr id="640873786" name="Footer Placeholder 2"/>
+          <p:cNvPr id="1933890032" name="Footer Placeholder 2"/>
           <p:cNvSpPr>
             <a:spLocks noGrp="1"/>
           </p:cNvSpPr>
@@ -3914,7 +3914,7 @@
       </p:sp>
       <p:sp>
         <p:nvSpPr>
-          <p:cNvPr id="1810352787" name="Slide Number Placeholder 3"/>
+          <p:cNvPr id="305152089" name="Slide Number Placeholder 3"/>
           <p:cNvSpPr>
             <a:spLocks noGrp="1"/>
           </p:cNvSpPr>
@@ -3965,7 +3965,7 @@
       </p:grpSpPr>
       <p:sp>
         <p:nvSpPr>
-          <p:cNvPr id="1871460754" name="Title 1"/>
+          <p:cNvPr id="401146789" name="Title 1"/>
           <p:cNvSpPr>
             <a:spLocks noGrp="1"/>
           </p:cNvSpPr>
@@ -4000,7 +4000,7 @@
       </p:sp>
       <p:sp>
         <p:nvSpPr>
-          <p:cNvPr id="1456861732" name="Content Placeholder 2"/>
+          <p:cNvPr id="648558490" name="Content Placeholder 2"/>
           <p:cNvSpPr>
             <a:spLocks noGrp="1"/>
           </p:cNvSpPr>
@@ -4099,7 +4099,7 @@
       </p:sp>
       <p:sp>
         <p:nvSpPr>
-          <p:cNvPr id="1603602230" name="Text Placeholder 3"/>
+          <p:cNvPr id="637809847" name="Text Placeholder 3"/>
           <p:cNvSpPr>
             <a:spLocks noGrp="1"/>
           </p:cNvSpPr>
@@ -4167,7 +4167,7 @@
       </p:sp>
       <p:sp>
         <p:nvSpPr>
-          <p:cNvPr id="888067653" name="Date Placeholder 4"/>
+          <p:cNvPr id="141140804" name="Date Placeholder 4"/>
           <p:cNvSpPr>
             <a:spLocks noGrp="1"/>
           </p:cNvSpPr>
@@ -4193,7 +4193,7 @@
       </p:sp>
       <p:sp>
         <p:nvSpPr>
-          <p:cNvPr id="1314528676" name="Footer Placeholder 5"/>
+          <p:cNvPr id="1820694516" name="Footer Placeholder 5"/>
           <p:cNvSpPr>
             <a:spLocks noGrp="1"/>
           </p:cNvSpPr>
@@ -4215,7 +4215,7 @@
       </p:sp>
       <p:sp>
         <p:nvSpPr>
-          <p:cNvPr id="172666767" name="Slide Number Placeholder 6"/>
+          <p:cNvPr id="26720388" name="Slide Number Placeholder 6"/>
           <p:cNvSpPr>
             <a:spLocks noGrp="1"/>
           </p:cNvSpPr>
@@ -4266,7 +4266,7 @@
       </p:grpSpPr>
       <p:sp>
         <p:nvSpPr>
-          <p:cNvPr id="2132555517" name="Title 1"/>
+          <p:cNvPr id="517876593" name="Title 1"/>
           <p:cNvSpPr>
             <a:spLocks noGrp="1"/>
           </p:cNvSpPr>
@@ -4301,7 +4301,7 @@
       </p:sp>
       <p:sp>
         <p:nvSpPr>
-          <p:cNvPr id="200626951" name="Picture Placeholder 2"/>
+          <p:cNvPr id="800676119" name="Picture Placeholder 2"/>
           <p:cNvSpPr>
             <a:spLocks noGrp="1"/>
           </p:cNvSpPr>
@@ -4365,7 +4365,7 @@
       </p:sp>
       <p:sp>
         <p:nvSpPr>
-          <p:cNvPr id="1887146768" name="Text Placeholder 3"/>
+          <p:cNvPr id="1563857155" name="Text Placeholder 3"/>
           <p:cNvSpPr>
             <a:spLocks noGrp="1"/>
           </p:cNvSpPr>
@@ -4433,7 +4433,7 @@
       </p:sp>
       <p:sp>
         <p:nvSpPr>
-          <p:cNvPr id="750447594" name="Date Placeholder 4"/>
+          <p:cNvPr id="1547846570" name="Date Placeholder 4"/>
           <p:cNvSpPr>
             <a:spLocks noGrp="1"/>
           </p:cNvSpPr>
@@ -4459,7 +4459,7 @@
       </p:sp>
       <p:sp>
         <p:nvSpPr>
-          <p:cNvPr id="234013058" name="Footer Placeholder 5"/>
+          <p:cNvPr id="2114113927" name="Footer Placeholder 5"/>
           <p:cNvSpPr>
             <a:spLocks noGrp="1"/>
           </p:cNvSpPr>
@@ -4481,7 +4481,7 @@
       </p:sp>
       <p:sp>
         <p:nvSpPr>
-          <p:cNvPr id="408950926" name="Slide Number Placeholder 6"/>
+          <p:cNvPr id="1377515913" name="Slide Number Placeholder 6"/>
           <p:cNvSpPr>
             <a:spLocks noGrp="1"/>
           </p:cNvSpPr>
@@ -4537,7 +4537,7 @@
       </p:grpSpPr>
       <p:sp>
         <p:nvSpPr>
-          <p:cNvPr id="1015332479" name="Title Placeholder 1"/>
+          <p:cNvPr id="874494719" name="Title Placeholder 1"/>
           <p:cNvSpPr>
             <a:spLocks noGrp="1"/>
           </p:cNvSpPr>
@@ -4573,7 +4573,7 @@
       </p:sp>
       <p:sp>
         <p:nvSpPr>
-          <p:cNvPr id="821645637" name="Text Placeholder 2"/>
+          <p:cNvPr id="1243489959" name="Text Placeholder 2"/>
           <p:cNvSpPr>
             <a:spLocks noGrp="1"/>
           </p:cNvSpPr>
@@ -4649,7 +4649,7 @@
       </p:sp>
       <p:sp>
         <p:nvSpPr>
-          <p:cNvPr id="181654242" name="Date Placeholder 3"/>
+          <p:cNvPr id="2070039654" name="Date Placeholder 3"/>
           <p:cNvSpPr>
             <a:spLocks noGrp="1"/>
           </p:cNvSpPr>
@@ -4693,7 +4693,7 @@
       </p:sp>
       <p:sp>
         <p:nvSpPr>
-          <p:cNvPr id="1146163485" name="Footer Placeholder 4"/>
+          <p:cNvPr id="368299589" name="Footer Placeholder 4"/>
           <p:cNvSpPr>
             <a:spLocks noGrp="1"/>
           </p:cNvSpPr>
@@ -4733,7 +4733,7 @@
       </p:sp>
       <p:sp>
         <p:nvSpPr>
-          <p:cNvPr id="2122388912" name="Slide Number Placeholder 5"/>
+          <p:cNvPr id="1964379056" name="Slide Number Placeholder 5"/>
           <p:cNvSpPr>
             <a:spLocks noGrp="1"/>
           </p:cNvSpPr>
@@ -5100,7 +5100,7 @@
       </p:grpSpPr>
       <p:sp>
         <p:nvSpPr>
-          <p:cNvPr id="1311321933" name="Title 1"/>
+          <p:cNvPr id="1471437452" name="Title 1"/>
           <p:cNvSpPr>
             <a:spLocks noGrp="1"/>
           </p:cNvSpPr>
@@ -5135,7 +5135,7 @@
       </p:sp>
       <p:sp>
         <p:nvSpPr>
-          <p:cNvPr id="2111091497" name="Subtitle 2"/>
+          <p:cNvPr id="784748513" name="Subtitle 2"/>
           <p:cNvSpPr>
             <a:spLocks noGrp="1"/>
           </p:cNvSpPr>
@@ -5145,13 +5145,13 @@
         </p:nvSpPr>
         <p:spPr bwMode="auto">
           <a:xfrm flipH="0" flipV="0">
-            <a:off x="1523999" y="3602037"/>
-            <a:ext cx="9144000" cy="1961629"/>
+            <a:off x="1523998" y="3602036"/>
+            <a:ext cx="9144000" cy="2317705"/>
           </a:xfrm>
         </p:spPr>
         <p:txBody>
           <a:bodyPr vertOverflow="overflow" horzOverflow="overflow" vert="horz" wrap="square" lIns="91440" tIns="45720" rIns="91440" bIns="45720" numCol="1" spcCol="0" rtlCol="0" fromWordArt="0" anchor="t" anchorCtr="0" forceAA="0" upright="0" compatLnSpc="0">
-            <a:normAutofit fontScale="85000" lnSpcReduction="3000"/>
+            <a:normAutofit/>
           </a:bodyPr>
           <a:lstStyle/>
           <a:p>
@@ -5221,38 +5221,6 @@
               <a:defRPr/>
             </a:pPr>
             <a:r>
-              <a:rPr lang="en-GB" sz="3200">
-                <a:solidFill>
-                  <a:schemeClr val="bg1"/>
-                </a:solidFill>
-              </a:rPr>
-              <a:t>Lab Session </a:t>
-            </a:r>
-            <a:r>
-              <a:rPr lang="en-US" sz="3200">
-                <a:solidFill>
-                  <a:schemeClr val="bg1"/>
-                </a:solidFill>
-              </a:rPr>
-              <a:t>3</a:t>
-            </a:r>
-            <a:r>
-              <a:rPr lang="en-GB" sz="3200">
-                <a:solidFill>
-                  <a:schemeClr val="bg1"/>
-                </a:solidFill>
-              </a:rPr>
-              <a:t> –</a:t>
-            </a:r>
-            <a:r>
-              <a:rPr lang="en-GB" sz="2800">
-                <a:solidFill>
-                  <a:schemeClr val="bg1"/>
-                </a:solidFill>
-              </a:rPr>
-              <a:t> </a:t>
-            </a:r>
-            <a:r>
               <a:rPr sz="2800" b="0" i="0" u="none">
                 <a:solidFill>
                   <a:schemeClr val="bg1"/>
@@ -5273,7 +5241,7 @@
       </p:sp>
       <p:pic>
         <p:nvPicPr>
-          <p:cNvPr id="1695896825" name="Picture 3"/>
+          <p:cNvPr id="1506203966" name="Picture 3"/>
           <p:cNvPicPr>
             <a:picLocks noChangeAspect="1"/>
           </p:cNvPicPr>
@@ -5335,7 +5303,7 @@
       </p:grpSpPr>
       <p:sp>
         <p:nvSpPr>
-          <p:cNvPr id="1969454775" name="Title 1"/>
+          <p:cNvPr id="837010906" name="Title 1"/>
           <p:cNvSpPr>
             <a:spLocks noGrp="1"/>
           </p:cNvSpPr>
@@ -5357,46 +5325,13 @@
               <a:defRPr/>
             </a:pPr>
             <a:r>
-              <a:rPr lang="en-GB" sz="3600" b="0" i="0" u="none" strike="noStrike" cap="none" spc="0">
-                <a:solidFill>
-                  <a:schemeClr val="bg1"/>
-                </a:solidFill>
-                <a:latin typeface="Aptos Display"/>
-                <a:ea typeface="Aptos Display"/>
-                <a:cs typeface="Aptos Display"/>
-              </a:rPr>
-              <a:t>Lab Session </a:t>
-            </a:r>
-            <a:r>
               <a:rPr lang="en-US" sz="3600" b="0" i="0" u="none" strike="noStrike" cap="none" spc="0">
                 <a:solidFill>
                   <a:schemeClr val="bg1"/>
                 </a:solidFill>
-                <a:latin typeface="Aptos Display"/>
-                <a:ea typeface="Aptos Display"/>
-                <a:cs typeface="Aptos Display"/>
-              </a:rPr>
-              <a:t>3</a:t>
-            </a:r>
-            <a:r>
-              <a:rPr lang="en-GB" sz="3600" b="0" i="0" u="none" strike="noStrike" cap="none" spc="0">
-                <a:solidFill>
-                  <a:schemeClr val="bg1"/>
-                </a:solidFill>
-                <a:latin typeface="Aptos Display"/>
-                <a:ea typeface="Aptos Display"/>
-                <a:cs typeface="Aptos Display"/>
-              </a:rPr>
-              <a:t> – </a:t>
-            </a:r>
-            <a:r>
-              <a:rPr lang="en-US" sz="3600" b="0" i="0" u="none" strike="noStrike" cap="none" spc="0">
-                <a:solidFill>
-                  <a:schemeClr val="bg1"/>
-                </a:solidFill>
-                <a:latin typeface="Aptos Display"/>
-                <a:ea typeface="Aptos Display"/>
-                <a:cs typeface="Aptos Display"/>
+                <a:latin typeface="Times New Roman"/>
+                <a:ea typeface="Times New Roman"/>
+                <a:cs typeface="Times New Roman"/>
               </a:rPr>
               <a:t>IR SENSOR OBSTACLE AVOIDANCE</a:t>
             </a:r>
@@ -5406,7 +5341,7 @@
       </p:sp>
       <p:sp>
         <p:nvSpPr>
-          <p:cNvPr id="1501712974" name="Content Placeholder 2"/>
+          <p:cNvPr id="442642483" name="Content Placeholder 2"/>
           <p:cNvSpPr>
             <a:spLocks noGrp="1"/>
           </p:cNvSpPr>
@@ -5446,7 +5381,7 @@
       </p:sp>
       <p:pic>
         <p:nvPicPr>
-          <p:cNvPr id="782143628" name="Picture 3"/>
+          <p:cNvPr id="714238284" name="Picture 3"/>
           <p:cNvPicPr>
             <a:picLocks noChangeAspect="1"/>
           </p:cNvPicPr>
@@ -5468,7 +5403,7 @@
       </p:pic>
       <p:graphicFrame>
         <p:nvGraphicFramePr>
-          <p:cNvPr id="868202039" name=""/>
+          <p:cNvPr id="34525972" name=""/>
           <p:cNvGraphicFramePr>
             <a:graphicFrameLocks xmlns:a="http://schemas.openxmlformats.org/drawingml/2006/main"/>
           </p:cNvGraphicFramePr>
@@ -7346,7 +7281,7 @@
       </p:grpSpPr>
       <p:sp>
         <p:nvSpPr>
-          <p:cNvPr id="1828739044" name="Title 1"/>
+          <p:cNvPr id="1177610100" name="Title 1"/>
           <p:cNvSpPr>
             <a:spLocks noGrp="1"/>
           </p:cNvSpPr>
@@ -7368,46 +7303,13 @@
               <a:defRPr/>
             </a:pPr>
             <a:r>
-              <a:rPr lang="en-GB" sz="3600" b="0" i="0" u="none" strike="noStrike" cap="none" spc="0">
-                <a:solidFill>
-                  <a:schemeClr val="bg1"/>
-                </a:solidFill>
-                <a:latin typeface="Aptos Display"/>
-                <a:ea typeface="Aptos Display"/>
-                <a:cs typeface="Aptos Display"/>
-              </a:rPr>
-              <a:t>Lab Session </a:t>
-            </a:r>
-            <a:r>
               <a:rPr lang="en-US" sz="3600" b="0" i="0" u="none" strike="noStrike" cap="none" spc="0">
                 <a:solidFill>
                   <a:schemeClr val="bg1"/>
                 </a:solidFill>
-                <a:latin typeface="Aptos Display"/>
-                <a:ea typeface="Aptos Display"/>
-                <a:cs typeface="Aptos Display"/>
-              </a:rPr>
-              <a:t>3</a:t>
-            </a:r>
-            <a:r>
-              <a:rPr lang="en-GB" sz="3600" b="0" i="0" u="none" strike="noStrike" cap="none" spc="0">
-                <a:solidFill>
-                  <a:schemeClr val="bg1"/>
-                </a:solidFill>
-                <a:latin typeface="Aptos Display"/>
-                <a:ea typeface="Aptos Display"/>
-                <a:cs typeface="Aptos Display"/>
-              </a:rPr>
-              <a:t> – </a:t>
-            </a:r>
-            <a:r>
-              <a:rPr lang="en-US" sz="3600" b="0" i="0" u="none" strike="noStrike" cap="none" spc="0">
-                <a:solidFill>
-                  <a:schemeClr val="bg1"/>
-                </a:solidFill>
-                <a:latin typeface="Aptos Display"/>
-                <a:ea typeface="Aptos Display"/>
-                <a:cs typeface="Aptos Display"/>
+                <a:latin typeface="Times New Roman"/>
+                <a:ea typeface="Times New Roman"/>
+                <a:cs typeface="Times New Roman"/>
               </a:rPr>
               <a:t>IR SENSOR OBSTACLE AVOIDANCE</a:t>
             </a:r>
@@ -7417,7 +7319,7 @@
       </p:sp>
       <p:sp>
         <p:nvSpPr>
-          <p:cNvPr id="2129534727" name="Content Placeholder 2"/>
+          <p:cNvPr id="1225763138" name="Content Placeholder 2"/>
           <p:cNvSpPr>
             <a:spLocks noGrp="1"/>
           </p:cNvSpPr>
@@ -7441,7 +7343,7 @@
               <a:defRPr/>
             </a:pPr>
             <a:r>
-              <a:rPr lang="en-US" sz="1400" b="1" i="0" u="none" strike="noStrike" cap="none" spc="0">
+              <a:rPr lang="en-US" sz="2800" b="1" i="0" u="none" strike="noStrike" cap="none" spc="0">
                 <a:solidFill>
                   <a:schemeClr val="bg1"/>
                 </a:solidFill>
@@ -7472,7 +7374,7 @@
       </p:sp>
       <p:pic>
         <p:nvPicPr>
-          <p:cNvPr id="1975873269" name="Picture 3"/>
+          <p:cNvPr id="1880480857" name="Picture 3"/>
           <p:cNvPicPr>
             <a:picLocks noChangeAspect="1"/>
           </p:cNvPicPr>
@@ -7494,7 +7396,7 @@
       </p:pic>
       <p:pic>
         <p:nvPicPr>
-          <p:cNvPr id="222910588" name=""/>
+          <p:cNvPr id="603337821" name=""/>
           <p:cNvPicPr>
             <a:picLocks noChangeAspect="1"/>
           </p:cNvPicPr>
@@ -7556,7 +7458,7 @@
       </p:grpSpPr>
       <p:sp>
         <p:nvSpPr>
-          <p:cNvPr id="540217020" name="Title 1"/>
+          <p:cNvPr id="773239780" name="Title 1"/>
           <p:cNvSpPr>
             <a:spLocks noGrp="1"/>
           </p:cNvSpPr>
@@ -7578,46 +7480,13 @@
               <a:defRPr/>
             </a:pPr>
             <a:r>
-              <a:rPr lang="en-GB" sz="3600" b="0" i="0" u="none" strike="noStrike" cap="none" spc="0">
-                <a:solidFill>
-                  <a:schemeClr val="bg1"/>
-                </a:solidFill>
-                <a:latin typeface="Aptos Display"/>
-                <a:ea typeface="Aptos Display"/>
-                <a:cs typeface="Aptos Display"/>
-              </a:rPr>
-              <a:t>Lab Session </a:t>
-            </a:r>
-            <a:r>
               <a:rPr lang="en-US" sz="3600" b="0" i="0" u="none" strike="noStrike" cap="none" spc="0">
                 <a:solidFill>
                   <a:schemeClr val="bg1"/>
                 </a:solidFill>
-                <a:latin typeface="Aptos Display"/>
-                <a:ea typeface="Aptos Display"/>
-                <a:cs typeface="Aptos Display"/>
-              </a:rPr>
-              <a:t>3</a:t>
-            </a:r>
-            <a:r>
-              <a:rPr lang="en-GB" sz="3600" b="0" i="0" u="none" strike="noStrike" cap="none" spc="0">
-                <a:solidFill>
-                  <a:schemeClr val="bg1"/>
-                </a:solidFill>
-                <a:latin typeface="Aptos Display"/>
-                <a:ea typeface="Aptos Display"/>
-                <a:cs typeface="Aptos Display"/>
-              </a:rPr>
-              <a:t> – </a:t>
-            </a:r>
-            <a:r>
-              <a:rPr lang="en-US" sz="3600" b="0" i="0" u="none" strike="noStrike" cap="none" spc="0">
-                <a:solidFill>
-                  <a:schemeClr val="bg1"/>
-                </a:solidFill>
-                <a:latin typeface="Aptos Display"/>
-                <a:ea typeface="Aptos Display"/>
-                <a:cs typeface="Aptos Display"/>
+                <a:latin typeface="Times New Roman"/>
+                <a:ea typeface="Times New Roman"/>
+                <a:cs typeface="Times New Roman"/>
               </a:rPr>
               <a:t>IR SENSOR OBSTACLE AVOIDANCE</a:t>
             </a:r>
@@ -7627,7 +7496,7 @@
       </p:sp>
       <p:sp>
         <p:nvSpPr>
-          <p:cNvPr id="1489470612" name="Content Placeholder 2"/>
+          <p:cNvPr id="770640177" name="Content Placeholder 2"/>
           <p:cNvSpPr>
             <a:spLocks noGrp="1"/>
           </p:cNvSpPr>
@@ -7677,7 +7546,7 @@
       </p:sp>
       <p:pic>
         <p:nvPicPr>
-          <p:cNvPr id="1287666145" name="Picture 3"/>
+          <p:cNvPr id="889064670" name="Picture 3"/>
           <p:cNvPicPr>
             <a:picLocks noChangeAspect="1"/>
           </p:cNvPicPr>
@@ -7699,7 +7568,7 @@
       </p:pic>
       <p:pic>
         <p:nvPicPr>
-          <p:cNvPr id="931576436" name=""/>
+          <p:cNvPr id="693609185" name=""/>
           <p:cNvPicPr>
             <a:picLocks noChangeAspect="1"/>
           </p:cNvPicPr>
@@ -7711,8 +7580,8 @@
         </p:blipFill>
         <p:spPr bwMode="auto">
           <a:xfrm flipH="0" flipV="0">
-            <a:off x="4340901" y="564793"/>
-            <a:ext cx="4829175" cy="6114180"/>
+            <a:off x="4340900" y="977737"/>
+            <a:ext cx="4829175" cy="5701234"/>
           </a:xfrm>
           <a:prstGeom prst="rect">
             <a:avLst/>
@@ -7761,7 +7630,7 @@
       </p:grpSpPr>
       <p:sp>
         <p:nvSpPr>
-          <p:cNvPr id="224216695" name="Title 1"/>
+          <p:cNvPr id="372042836" name="Title 1"/>
           <p:cNvSpPr>
             <a:spLocks noGrp="1"/>
           </p:cNvSpPr>
@@ -7771,7 +7640,7 @@
         </p:nvSpPr>
         <p:spPr bwMode="auto">
           <a:xfrm>
-            <a:off x="838197" y="156099"/>
+            <a:off x="366397" y="42544"/>
             <a:ext cx="10515600" cy="1325560"/>
           </a:xfrm>
         </p:spPr>
@@ -7783,7 +7652,7 @@
               <a:defRPr/>
             </a:pPr>
             <a:r>
-              <a:rPr sz="3600" b="0" i="0" u="none">
+              <a:rPr lang="en-US" sz="3600" b="0" i="0" u="none" strike="noStrike" cap="none" spc="0">
                 <a:solidFill>
                   <a:schemeClr val="bg1"/>
                 </a:solidFill>
@@ -7791,7 +7660,7 @@
                 <a:ea typeface="Times New Roman"/>
                 <a:cs typeface="Times New Roman"/>
               </a:rPr>
-              <a:t>Obstacle Detection Logic</a:t>
+              <a:t>IR SENSOR OBSTACLE AVOIDANCE</a:t>
             </a:r>
             <a:endParaRPr/>
           </a:p>
@@ -7799,7 +7668,7 @@
       </p:sp>
       <p:sp>
         <p:nvSpPr>
-          <p:cNvPr id="427232208" name="Content Placeholder 2"/>
+          <p:cNvPr id="880657095" name="Content Placeholder 2"/>
           <p:cNvSpPr>
             <a:spLocks noGrp="1"/>
           </p:cNvSpPr>
@@ -8171,7 +8040,7 @@
       </p:sp>
       <p:pic>
         <p:nvPicPr>
-          <p:cNvPr id="1034899312" name="Picture 3"/>
+          <p:cNvPr id="1500444182" name="Picture 3"/>
           <p:cNvPicPr>
             <a:picLocks noChangeAspect="1"/>
           </p:cNvPicPr>
@@ -8233,7 +8102,7 @@
       </p:grpSpPr>
       <p:sp>
         <p:nvSpPr>
-          <p:cNvPr id="338448451" name="Title 1"/>
+          <p:cNvPr id="261010213" name="Title 1"/>
           <p:cNvSpPr>
             <a:spLocks noGrp="1"/>
           </p:cNvSpPr>
@@ -8243,7 +8112,7 @@
         </p:nvSpPr>
         <p:spPr bwMode="auto">
           <a:xfrm>
-            <a:off x="838198" y="156100"/>
+            <a:off x="366398" y="-4133"/>
             <a:ext cx="10515600" cy="1325561"/>
           </a:xfrm>
         </p:spPr>
@@ -8255,15 +8124,15 @@
               <a:defRPr/>
             </a:pPr>
             <a:r>
-              <a:rPr sz="3600" b="0" i="0" u="none">
-                <a:solidFill>
-                  <a:schemeClr val="bg1"/>
-                </a:solidFill>
-                <a:latin typeface="Aptos Display"/>
-                <a:ea typeface="Aptos Display"/>
-                <a:cs typeface="Aptos Display"/>
-              </a:rPr>
-              <a:t>Movement Control Functions</a:t>
+              <a:rPr lang="en-US" sz="3600" b="0" i="0" u="none" strike="noStrike" cap="none" spc="0">
+                <a:solidFill>
+                  <a:schemeClr val="bg1"/>
+                </a:solidFill>
+                <a:latin typeface="Times New Roman"/>
+                <a:ea typeface="Times New Roman"/>
+                <a:cs typeface="Times New Roman"/>
+              </a:rPr>
+              <a:t>IR SENSOR OBSTACLE AVOIDANCE</a:t>
             </a:r>
             <a:endParaRPr/>
           </a:p>
@@ -8271,7 +8140,7 @@
       </p:sp>
       <p:sp>
         <p:nvSpPr>
-          <p:cNvPr id="1554151215" name="Content Placeholder 2"/>
+          <p:cNvPr id="1254600966" name="Content Placeholder 2"/>
           <p:cNvSpPr>
             <a:spLocks noGrp="1"/>
           </p:cNvSpPr>
@@ -8295,26 +8164,15 @@
               <a:defRPr/>
             </a:pPr>
             <a:r>
-              <a:rPr sz="2800" b="1" i="0" u="none">
-                <a:solidFill>
-                  <a:schemeClr val="bg1"/>
-                </a:solidFill>
-                <a:latin typeface="Times New Roman"/>
-                <a:ea typeface="Times New Roman"/>
-                <a:cs typeface="Times New Roman"/>
-              </a:rPr>
-              <a:t>Function Descriptions</a:t>
-            </a:r>
-            <a:r>
-              <a:rPr sz="2800" b="0" i="0" u="none">
-                <a:solidFill>
-                  <a:schemeClr val="bg1"/>
-                </a:solidFill>
-                <a:latin typeface="Times New Roman"/>
-                <a:ea typeface="Times New Roman"/>
-                <a:cs typeface="Times New Roman"/>
-              </a:rPr>
-              <a:t>:</a:t>
+              <a:rPr lang="en-US" sz="2800" b="0" i="0" u="none" strike="noStrike" cap="none" spc="0">
+                <a:solidFill>
+                  <a:schemeClr val="bg1"/>
+                </a:solidFill>
+                <a:latin typeface="Aptos Display"/>
+                <a:ea typeface="Aptos Display"/>
+                <a:cs typeface="Aptos Display"/>
+              </a:rPr>
+              <a:t>Movement Control Functions</a:t>
             </a:r>
             <a:endParaRPr sz="2800">
               <a:solidFill>
@@ -8323,6 +8181,41 @@
             </a:endParaRPr>
           </a:p>
           <a:p>
+            <a:pPr>
+              <a:defRPr/>
+            </a:pPr>
+            <a:r>
+              <a:rPr sz="2800" b="1" i="0" u="none">
+                <a:solidFill>
+                  <a:schemeClr val="bg1"/>
+                </a:solidFill>
+                <a:latin typeface="Times New Roman"/>
+                <a:ea typeface="Times New Roman"/>
+                <a:cs typeface="Times New Roman"/>
+              </a:rPr>
+              <a:t>Function Descriptions</a:t>
+            </a:r>
+            <a:r>
+              <a:rPr sz="2800" b="0" i="0" u="none">
+                <a:solidFill>
+                  <a:schemeClr val="bg1"/>
+                </a:solidFill>
+                <a:latin typeface="Times New Roman"/>
+                <a:ea typeface="Times New Roman"/>
+                <a:cs typeface="Times New Roman"/>
+              </a:rPr>
+              <a:t>:</a:t>
+            </a:r>
+            <a:endParaRPr sz="2800" b="0" i="0" u="none">
+              <a:solidFill>
+                <a:schemeClr val="bg1"/>
+              </a:solidFill>
+              <a:latin typeface="Times New Roman"/>
+              <a:ea typeface="Times New Roman"/>
+              <a:cs typeface="Times New Roman"/>
+            </a:endParaRPr>
+          </a:p>
+          <a:p>
             <a:pPr lvl="1">
               <a:defRPr/>
             </a:pPr>
@@ -8625,7 +8518,7 @@
       </p:sp>
       <p:pic>
         <p:nvPicPr>
-          <p:cNvPr id="782937808" name="Picture 3"/>
+          <p:cNvPr id="1405663582" name="Picture 3"/>
           <p:cNvPicPr>
             <a:picLocks noChangeAspect="1"/>
           </p:cNvPicPr>
@@ -8687,7 +8580,7 @@
       </p:grpSpPr>
       <p:sp>
         <p:nvSpPr>
-          <p:cNvPr id="1203450315" name="Title 1"/>
+          <p:cNvPr id="46546245" name="Title 1"/>
           <p:cNvSpPr>
             <a:spLocks noGrp="1"/>
           </p:cNvSpPr>
@@ -8697,7 +8590,7 @@
         </p:nvSpPr>
         <p:spPr bwMode="auto">
           <a:xfrm>
-            <a:off x="838197" y="156099"/>
+            <a:off x="170556" y="42544"/>
             <a:ext cx="10515600" cy="1325560"/>
           </a:xfrm>
         </p:spPr>
@@ -8709,7 +8602,7 @@
               <a:defRPr/>
             </a:pPr>
             <a:r>
-              <a:rPr sz="3600" b="0" i="0" u="none">
+              <a:rPr lang="en-US" sz="4800" b="0" i="0" u="none" strike="noStrike" cap="none" spc="0">
                 <a:solidFill>
                   <a:schemeClr val="bg1"/>
                 </a:solidFill>
@@ -8717,7 +8610,7 @@
                 <a:ea typeface="Times New Roman"/>
                 <a:cs typeface="Times New Roman"/>
               </a:rPr>
-              <a:t>Repeat Loop</a:t>
+              <a:t>IR SENSOR OBSTACLE AVOIDANCE</a:t>
             </a:r>
             <a:endParaRPr/>
           </a:p>
@@ -8725,7 +8618,7 @@
       </p:sp>
       <p:sp>
         <p:nvSpPr>
-          <p:cNvPr id="1117327087" name="Content Placeholder 2"/>
+          <p:cNvPr id="1786405751" name="Content Placeholder 2"/>
           <p:cNvSpPr>
             <a:spLocks noGrp="1"/>
           </p:cNvSpPr>
@@ -8745,6 +8638,32 @@
           </a:bodyPr>
           <a:lstStyle/>
           <a:p>
+            <a:pPr marL="0" indent="0">
+              <a:buFont typeface="Arial"/>
+              <a:buNone/>
+              <a:defRPr/>
+            </a:pPr>
+            <a:r>
+              <a:rPr lang="en-US" sz="2800" b="0" i="0" u="none" strike="noStrike" cap="none" spc="0">
+                <a:solidFill>
+                  <a:schemeClr val="bg1"/>
+                </a:solidFill>
+                <a:latin typeface="Times New Roman"/>
+                <a:ea typeface="Times New Roman"/>
+                <a:cs typeface="Times New Roman"/>
+              </a:rPr>
+              <a:t>Repeat Loop</a:t>
+            </a:r>
+            <a:endParaRPr sz="2800" b="1" i="0" u="none">
+              <a:solidFill>
+                <a:schemeClr val="bg1"/>
+              </a:solidFill>
+              <a:latin typeface="Times New Roman"/>
+              <a:ea typeface="Times New Roman"/>
+              <a:cs typeface="Times New Roman"/>
+            </a:endParaRPr>
+          </a:p>
+          <a:p>
             <a:pPr>
               <a:defRPr/>
             </a:pPr>
@@ -8878,7 +8797,7 @@
       </p:sp>
       <p:pic>
         <p:nvPicPr>
-          <p:cNvPr id="1292187457" name="Picture 3"/>
+          <p:cNvPr id="2041156256" name="Picture 3"/>
           <p:cNvPicPr>
             <a:picLocks noChangeAspect="1"/>
           </p:cNvPicPr>
@@ -8900,7 +8819,7 @@
       </p:pic>
       <p:graphicFrame>
         <p:nvGraphicFramePr>
-          <p:cNvPr id="2059160869" name=""/>
+          <p:cNvPr id="1688621975" name=""/>
           <p:cNvGraphicFramePr>
             <a:graphicFrameLocks xmlns:a="http://schemas.openxmlformats.org/drawingml/2006/main"/>
           </p:cNvGraphicFramePr>
@@ -9779,7 +9698,7 @@
       </p:grpSpPr>
       <p:sp>
         <p:nvSpPr>
-          <p:cNvPr id="309772929" name="Title 1"/>
+          <p:cNvPr id="129998001" name="Title 1"/>
           <p:cNvSpPr>
             <a:spLocks noGrp="1"/>
           </p:cNvSpPr>
@@ -9788,20 +9707,22 @@
           </p:nvPr>
         </p:nvSpPr>
         <p:spPr bwMode="auto">
-          <a:xfrm>
-            <a:off x="838198" y="156100"/>
-            <a:ext cx="10515600" cy="1325561"/>
+          <a:xfrm flipH="0" flipV="0">
+            <a:off x="45931" y="-90981"/>
+            <a:ext cx="10515600" cy="998971"/>
           </a:xfrm>
         </p:spPr>
         <p:txBody>
-          <a:bodyPr/>
+          <a:bodyPr vertOverflow="overflow" horzOverflow="overflow" vert="horz" wrap="square" lIns="91440" tIns="45720" rIns="91440" bIns="45720" numCol="1" spcCol="0" rtlCol="0" fromWordArt="0" anchor="ctr" anchorCtr="0" forceAA="0" upright="0" compatLnSpc="0">
+            <a:normAutofit/>
+          </a:bodyPr>
           <a:lstStyle/>
           <a:p>
             <a:pPr>
               <a:defRPr/>
             </a:pPr>
             <a:r>
-              <a:rPr lang="en-US" sz="4800" b="1" i="0" u="none" strike="noStrike" cap="none" spc="0">
+              <a:rPr lang="en-US" sz="3600" b="0" i="0" u="none" strike="noStrike" cap="none" spc="0">
                 <a:solidFill>
                   <a:schemeClr val="bg1"/>
                 </a:solidFill>
@@ -9809,7 +9730,7 @@
                 <a:ea typeface="Times New Roman"/>
                 <a:cs typeface="Times New Roman"/>
               </a:rPr>
-              <a:t>Safety Guidelines</a:t>
+              <a:t>IR SENSOR OBSTACLE AVOIDANCE</a:t>
             </a:r>
             <a:endParaRPr/>
           </a:p>
@@ -9817,7 +9738,7 @@
       </p:sp>
       <p:sp>
         <p:nvSpPr>
-          <p:cNvPr id="940034712" name="Content Placeholder 2"/>
+          <p:cNvPr id="277132666" name="Content Placeholder 2"/>
           <p:cNvSpPr>
             <a:spLocks noGrp="1"/>
           </p:cNvSpPr>
@@ -9827,8 +9748,8 @@
         </p:nvSpPr>
         <p:spPr bwMode="auto">
           <a:xfrm flipH="0" flipV="0">
-            <a:off x="838198" y="1246260"/>
-            <a:ext cx="10515600" cy="5189788"/>
+            <a:off x="410907" y="1166142"/>
+            <a:ext cx="10663927" cy="5483552"/>
           </a:xfrm>
         </p:spPr>
         <p:txBody>
@@ -9841,7 +9762,7 @@
               <a:defRPr/>
             </a:pPr>
             <a:r>
-              <a:rPr sz="2800" b="0" i="0" u="none">
+              <a:rPr lang="en-US" sz="2800" b="1" i="0" u="none" strike="noStrike" cap="none" spc="0">
                 <a:solidFill>
                   <a:schemeClr val="bg1"/>
                 </a:solidFill>
@@ -9849,7 +9770,7 @@
                 <a:ea typeface="Times New Roman"/>
                 <a:cs typeface="Times New Roman"/>
               </a:rPr>
-              <a:t>Troubleshooting Guide — Common Issues &amp; Quick Fixes</a:t>
+              <a:t>Safety Guidelines</a:t>
             </a:r>
             <a:endParaRPr sz="2800">
               <a:solidFill>
@@ -9861,6 +9782,30 @@
             <a:pPr>
               <a:defRPr/>
             </a:pPr>
+            <a:r>
+              <a:rPr sz="2800" b="0" i="0" u="none">
+                <a:solidFill>
+                  <a:schemeClr val="bg1"/>
+                </a:solidFill>
+                <a:latin typeface="Times New Roman"/>
+                <a:ea typeface="Times New Roman"/>
+                <a:cs typeface="Times New Roman"/>
+              </a:rPr>
+              <a:t>Troubleshooting Guide — Common Issues &amp; Quick Fixes</a:t>
+            </a:r>
+            <a:endParaRPr sz="2800" b="0" i="0" u="none">
+              <a:solidFill>
+                <a:schemeClr val="bg1"/>
+              </a:solidFill>
+              <a:latin typeface="Times New Roman"/>
+              <a:ea typeface="Times New Roman"/>
+              <a:cs typeface="Times New Roman"/>
+            </a:endParaRPr>
+          </a:p>
+          <a:p>
+            <a:pPr>
+              <a:defRPr/>
+            </a:pPr>
             <a:endParaRPr/>
           </a:p>
           <a:p>
@@ -9935,7 +9880,7 @@
       </p:sp>
       <p:pic>
         <p:nvPicPr>
-          <p:cNvPr id="380662988" name="Picture 3"/>
+          <p:cNvPr id="530497538" name="Picture 3"/>
           <p:cNvPicPr>
             <a:picLocks noChangeAspect="1"/>
           </p:cNvPicPr>
@@ -9957,14 +9902,14 @@
       </p:pic>
       <p:graphicFrame>
         <p:nvGraphicFramePr>
-          <p:cNvPr id="1955838944" name=""/>
+          <p:cNvPr id="773441438" name=""/>
           <p:cNvGraphicFramePr>
             <a:graphicFrameLocks xmlns:a="http://schemas.openxmlformats.org/drawingml/2006/main"/>
           </p:cNvGraphicFramePr>
           <p:nvPr/>
         </p:nvGraphicFramePr>
         <p:xfrm>
-          <a:off x="1017008" y="1978046"/>
+          <a:off x="1159437" y="2505925"/>
           <a:ext cx="5956299" cy="2670457"/>
         </p:xfrm>
         <a:graphic>
@@ -10809,7 +10754,7 @@
       </p:grpSpPr>
       <p:sp>
         <p:nvSpPr>
-          <p:cNvPr id="54511485" name="Title 1"/>
+          <p:cNvPr id="448273910" name="Title 1"/>
           <p:cNvSpPr>
             <a:spLocks noGrp="1"/>
           </p:cNvSpPr>
@@ -10819,7 +10764,7 @@
         </p:nvSpPr>
         <p:spPr bwMode="auto">
           <a:xfrm>
-            <a:off x="758082" y="156101"/>
+            <a:off x="161656" y="-39740"/>
             <a:ext cx="10515600" cy="1325562"/>
           </a:xfrm>
         </p:spPr>
@@ -10831,15 +10776,15 @@
               <a:defRPr/>
             </a:pPr>
             <a:r>
-              <a:rPr sz="3600" b="0" i="0" u="none">
-                <a:solidFill>
-                  <a:schemeClr val="bg1"/>
-                </a:solidFill>
-                <a:latin typeface="Aptos Display"/>
-                <a:ea typeface="Aptos Display"/>
-                <a:cs typeface="Aptos Display"/>
-              </a:rPr>
-              <a:t>Common Troubleshooting</a:t>
+              <a:rPr lang="en-US" sz="3600" b="0" i="0" u="none" strike="noStrike" cap="none" spc="0">
+                <a:solidFill>
+                  <a:schemeClr val="bg1"/>
+                </a:solidFill>
+                <a:latin typeface="Times New Roman"/>
+                <a:ea typeface="Times New Roman"/>
+                <a:cs typeface="Times New Roman"/>
+              </a:rPr>
+              <a:t>IR SENSOR OBSTACLE AVOIDANCE</a:t>
             </a:r>
             <a:endParaRPr/>
           </a:p>
@@ -10847,7 +10792,7 @@
       </p:sp>
       <p:sp>
         <p:nvSpPr>
-          <p:cNvPr id="389150663" name="Content Placeholder 2"/>
+          <p:cNvPr id="969132674" name="Content Placeholder 2"/>
           <p:cNvSpPr>
             <a:spLocks noGrp="1"/>
           </p:cNvSpPr>
@@ -10857,19 +10802,30 @@
         </p:nvSpPr>
         <p:spPr bwMode="auto">
           <a:xfrm flipH="0" flipV="0">
-            <a:off x="838198" y="1201751"/>
-            <a:ext cx="10515600" cy="4734860"/>
+            <a:off x="356985" y="1285821"/>
+            <a:ext cx="10916695" cy="5408383"/>
           </a:xfrm>
         </p:spPr>
         <p:txBody>
           <a:bodyPr vertOverflow="overflow" horzOverflow="overflow" vert="horz" wrap="square" lIns="91440" tIns="45720" rIns="91440" bIns="45720" numCol="1" spcCol="0" rtlCol="0" fromWordArt="0" anchor="t" anchorCtr="0" forceAA="0" upright="0" compatLnSpc="0">
-            <a:normAutofit fontScale="90000" lnSpcReduction="2000"/>
+            <a:normAutofit/>
           </a:bodyPr>
           <a:lstStyle/>
           <a:p>
             <a:pPr>
               <a:defRPr/>
             </a:pPr>
+            <a:r>
+              <a:rPr lang="en-US" sz="2800" b="0" i="0" u="none" strike="noStrike" cap="none" spc="0">
+                <a:solidFill>
+                  <a:schemeClr val="bg1"/>
+                </a:solidFill>
+                <a:latin typeface="Aptos Display"/>
+                <a:ea typeface="Aptos Display"/>
+                <a:cs typeface="Aptos Display"/>
+              </a:rPr>
+              <a:t>Common Troubleshooting</a:t>
+            </a:r>
             <a:endParaRPr sz="2000">
               <a:solidFill>
                 <a:schemeClr val="bg1"/>
@@ -10877,14 +10833,14 @@
             </a:endParaRPr>
           </a:p>
           <a:p>
-            <a:pPr marL="0" marR="0" indent="0">
+            <a:pPr marL="400050" marR="0" lvl="1" indent="0">
               <a:spcBef>
                 <a:spcPts val="899"/>
               </a:spcBef>
               <a:defRPr/>
             </a:pPr>
             <a:r>
-              <a:rPr sz="2800" b="1">
+              <a:rPr sz="2400" b="1">
                 <a:solidFill>
                   <a:schemeClr val="bg1"/>
                 </a:solidFill>
@@ -10903,11 +10859,11 @@
             </a:endParaRPr>
           </a:p>
           <a:p>
-            <a:pPr marR="0" lvl="1">
-              <a:defRPr/>
-            </a:pPr>
-            <a:r>
-              <a:rPr sz="2800">
+            <a:pPr marR="0" lvl="2">
+              <a:defRPr/>
+            </a:pPr>
+            <a:r>
+              <a:rPr sz="2400">
                 <a:solidFill>
                   <a:schemeClr val="bg1"/>
                 </a:solidFill>
@@ -10926,14 +10882,14 @@
             </a:endParaRPr>
           </a:p>
           <a:p>
-            <a:pPr marR="0" lvl="1">
+            <a:pPr marR="0" lvl="2">
               <a:spcBef>
                 <a:spcPts val="599"/>
               </a:spcBef>
               <a:defRPr/>
             </a:pPr>
             <a:r>
-              <a:rPr sz="2800">
+              <a:rPr sz="2400">
                 <a:solidFill>
                   <a:schemeClr val="bg1"/>
                 </a:solidFill>
@@ -10952,14 +10908,14 @@
             </a:endParaRPr>
           </a:p>
           <a:p>
-            <a:pPr marL="0" marR="0" indent="0">
+            <a:pPr marL="400050" marR="0" lvl="1" indent="0">
               <a:spcBef>
                 <a:spcPts val="1199"/>
               </a:spcBef>
               <a:defRPr/>
             </a:pPr>
             <a:r>
-              <a:rPr sz="2800" b="1">
+              <a:rPr sz="2400" b="1">
                 <a:solidFill>
                   <a:schemeClr val="bg1"/>
                 </a:solidFill>
@@ -10978,11 +10934,11 @@
             </a:endParaRPr>
           </a:p>
           <a:p>
-            <a:pPr marR="0" lvl="1">
-              <a:defRPr/>
-            </a:pPr>
-            <a:r>
-              <a:rPr sz="2800">
+            <a:pPr marR="0" lvl="2">
+              <a:defRPr/>
+            </a:pPr>
+            <a:r>
+              <a:rPr sz="2400">
                 <a:solidFill>
                   <a:schemeClr val="bg1"/>
                 </a:solidFill>
@@ -11001,14 +10957,14 @@
             </a:endParaRPr>
           </a:p>
           <a:p>
-            <a:pPr marR="0" lvl="1">
+            <a:pPr marR="0" lvl="2">
               <a:spcBef>
                 <a:spcPts val="599"/>
               </a:spcBef>
               <a:defRPr/>
             </a:pPr>
             <a:r>
-              <a:rPr sz="2800">
+              <a:rPr sz="2400">
                 <a:solidFill>
                   <a:schemeClr val="bg1"/>
                 </a:solidFill>
@@ -11027,14 +10983,14 @@
             </a:endParaRPr>
           </a:p>
           <a:p>
-            <a:pPr marR="0" lvl="1">
+            <a:pPr marR="0" lvl="2">
               <a:spcBef>
                 <a:spcPts val="599"/>
               </a:spcBef>
               <a:defRPr/>
             </a:pPr>
             <a:r>
-              <a:rPr sz="2800">
+              <a:rPr sz="2400">
                 <a:solidFill>
                   <a:schemeClr val="bg1"/>
                 </a:solidFill>
@@ -11053,14 +11009,14 @@
             </a:endParaRPr>
           </a:p>
           <a:p>
-            <a:pPr marL="0" marR="0" indent="0">
+            <a:pPr marL="400050" marR="0" lvl="1" indent="0">
               <a:spcBef>
                 <a:spcPts val="1199"/>
               </a:spcBef>
               <a:defRPr/>
             </a:pPr>
             <a:r>
-              <a:rPr sz="2800" b="1">
+              <a:rPr sz="2400" b="1">
                 <a:solidFill>
                   <a:schemeClr val="bg1"/>
                 </a:solidFill>
@@ -11079,11 +11035,11 @@
             </a:endParaRPr>
           </a:p>
           <a:p>
-            <a:pPr marR="0" lvl="1">
-              <a:defRPr/>
-            </a:pPr>
-            <a:r>
-              <a:rPr sz="2800">
+            <a:pPr marR="0" lvl="2">
+              <a:defRPr/>
+            </a:pPr>
+            <a:r>
+              <a:rPr sz="2400">
                 <a:solidFill>
                   <a:schemeClr val="bg1"/>
                 </a:solidFill>
@@ -11102,11 +11058,11 @@
             </a:endParaRPr>
           </a:p>
           <a:p>
-            <a:pPr marR="0" lvl="1">
-              <a:defRPr/>
-            </a:pPr>
-            <a:r>
-              <a:rPr sz="2800">
+            <a:pPr marR="0" lvl="2">
+              <a:defRPr/>
+            </a:pPr>
+            <a:r>
+              <a:rPr sz="2400">
                 <a:solidFill>
                   <a:schemeClr val="bg1"/>
                 </a:solidFill>
@@ -11117,7 +11073,7 @@
               <a:t> </a:t>
             </a:r>
             <a:r>
-              <a:rPr sz="2800">
+              <a:rPr sz="2400">
                 <a:solidFill>
                   <a:schemeClr val="bg1"/>
                 </a:solidFill>
@@ -11140,7 +11096,7 @@
       </p:sp>
       <p:pic>
         <p:nvPicPr>
-          <p:cNvPr id="1357773174" name="Picture 3"/>
+          <p:cNvPr id="1556269646" name="Picture 3"/>
           <p:cNvPicPr>
             <a:picLocks noChangeAspect="1"/>
           </p:cNvPicPr>
@@ -11202,7 +11158,7 @@
       </p:grpSpPr>
       <p:sp>
         <p:nvSpPr>
-          <p:cNvPr id="929432983" name="Title 1"/>
+          <p:cNvPr id="2023603604" name="Title 1"/>
           <p:cNvSpPr>
             <a:spLocks noGrp="1"/>
           </p:cNvSpPr>
@@ -11237,7 +11193,7 @@
       </p:sp>
       <p:sp>
         <p:nvSpPr>
-          <p:cNvPr id="275252335" name="Content Placeholder 2"/>
+          <p:cNvPr id="1274133068" name="Content Placeholder 2"/>
           <p:cNvSpPr>
             <a:spLocks noGrp="1"/>
           </p:cNvSpPr>
@@ -11508,7 +11464,7 @@
       </p:sp>
       <p:pic>
         <p:nvPicPr>
-          <p:cNvPr id="2145735115" name="Picture 3"/>
+          <p:cNvPr id="1881938014" name="Picture 3"/>
           <p:cNvPicPr>
             <a:picLocks noChangeAspect="1"/>
           </p:cNvPicPr>
@@ -11570,7 +11526,7 @@
       </p:grpSpPr>
       <p:sp>
         <p:nvSpPr>
-          <p:cNvPr id="977202311" name="Title 1"/>
+          <p:cNvPr id="267343890" name="Title 1"/>
           <p:cNvSpPr>
             <a:spLocks noGrp="1"/>
           </p:cNvSpPr>
@@ -11605,7 +11561,7 @@
       </p:sp>
       <p:sp>
         <p:nvSpPr>
-          <p:cNvPr id="1578822503" name="Content Placeholder 2"/>
+          <p:cNvPr id="174988734" name="Content Placeholder 2"/>
           <p:cNvSpPr>
             <a:spLocks noGrp="1"/>
           </p:cNvSpPr>
@@ -11812,7 +11768,7 @@
       </p:sp>
       <p:pic>
         <p:nvPicPr>
-          <p:cNvPr id="781228997" name="Picture 3"/>
+          <p:cNvPr id="592032068" name="Picture 3"/>
           <p:cNvPicPr>
             <a:picLocks noChangeAspect="1"/>
           </p:cNvPicPr>
@@ -11874,7 +11830,7 @@
       </p:grpSpPr>
       <p:sp>
         <p:nvSpPr>
-          <p:cNvPr id="506225174" name="Title 1"/>
+          <p:cNvPr id="213119317" name="Title 1"/>
           <p:cNvSpPr>
             <a:spLocks noGrp="1"/>
           </p:cNvSpPr>
@@ -11896,46 +11852,13 @@
               <a:defRPr/>
             </a:pPr>
             <a:r>
-              <a:rPr lang="en-GB">
-                <a:solidFill>
-                  <a:schemeClr val="bg1"/>
-                </a:solidFill>
-                <a:latin typeface="Aptos Display"/>
-                <a:ea typeface="Aptos Display"/>
-                <a:cs typeface="Aptos Display"/>
-              </a:rPr>
-              <a:t>Lab Session </a:t>
-            </a:r>
-            <a:r>
-              <a:rPr lang="en-US">
-                <a:solidFill>
-                  <a:schemeClr val="bg1"/>
-                </a:solidFill>
-                <a:latin typeface="Aptos Display"/>
-                <a:ea typeface="Aptos Display"/>
-                <a:cs typeface="Aptos Display"/>
-              </a:rPr>
-              <a:t>3</a:t>
-            </a:r>
-            <a:r>
-              <a:rPr lang="en-GB">
-                <a:solidFill>
-                  <a:schemeClr val="bg1"/>
-                </a:solidFill>
-                <a:latin typeface="Aptos Display"/>
-                <a:ea typeface="Aptos Display"/>
-                <a:cs typeface="Aptos Display"/>
-              </a:rPr>
-              <a:t> – </a:t>
-            </a:r>
-            <a:r>
               <a:rPr lang="en-US" sz="4400" b="0" i="0" u="none" strike="noStrike" cap="none" spc="0">
                 <a:solidFill>
                   <a:schemeClr val="bg1"/>
                 </a:solidFill>
-                <a:latin typeface="Aptos Display"/>
-                <a:ea typeface="Aptos Display"/>
-                <a:cs typeface="Aptos Display"/>
+                <a:latin typeface="Times New Roman"/>
+                <a:ea typeface="Times New Roman"/>
+                <a:cs typeface="Times New Roman"/>
               </a:rPr>
               <a:t>IR SENSOR OBSTACLE AVOIDANCE</a:t>
             </a:r>
@@ -11945,7 +11868,7 @@
       </p:sp>
       <p:sp>
         <p:nvSpPr>
-          <p:cNvPr id="1286802764" name="Content Placeholder 2"/>
+          <p:cNvPr id="598848726" name="Content Placeholder 2"/>
           <p:cNvSpPr>
             <a:spLocks noGrp="1"/>
           </p:cNvSpPr>
@@ -12085,7 +12008,7 @@
       </p:sp>
       <p:pic>
         <p:nvPicPr>
-          <p:cNvPr id="1538263745" name="Picture 3"/>
+          <p:cNvPr id="1694657275" name="Picture 3"/>
           <p:cNvPicPr>
             <a:picLocks noChangeAspect="1"/>
           </p:cNvPicPr>
@@ -12147,7 +12070,7 @@
       </p:grpSpPr>
       <p:sp>
         <p:nvSpPr>
-          <p:cNvPr id="1295226210" name="Title 1"/>
+          <p:cNvPr id="1896119079" name="Title 1"/>
           <p:cNvSpPr>
             <a:spLocks noGrp="1"/>
           </p:cNvSpPr>
@@ -12163,7 +12086,7 @@
         </p:spPr>
         <p:txBody>
           <a:bodyPr vertOverflow="overflow" horzOverflow="overflow" vert="horz" wrap="square" lIns="91440" tIns="45720" rIns="91440" bIns="45720" numCol="1" spcCol="0" rtlCol="0" fromWordArt="0" anchor="ctr" anchorCtr="0" forceAA="0" upright="0" compatLnSpc="0">
-            <a:normAutofit fontScale="95000" lnSpcReduction="1000"/>
+            <a:normAutofit/>
           </a:bodyPr>
           <a:lstStyle/>
           <a:p>
@@ -12171,46 +12094,13 @@
               <a:defRPr/>
             </a:pPr>
             <a:r>
-              <a:rPr lang="en-GB" sz="4400" b="0" i="0" u="none" strike="noStrike" cap="none" spc="0">
-                <a:solidFill>
-                  <a:schemeClr val="bg1"/>
-                </a:solidFill>
-                <a:latin typeface="Aptos Display"/>
-                <a:ea typeface="Aptos Display"/>
-                <a:cs typeface="Aptos Display"/>
-              </a:rPr>
-              <a:t>Lab Session </a:t>
-            </a:r>
-            <a:r>
               <a:rPr lang="en-US" sz="4400" b="0" i="0" u="none" strike="noStrike" cap="none" spc="0">
                 <a:solidFill>
                   <a:schemeClr val="bg1"/>
                 </a:solidFill>
-                <a:latin typeface="Aptos Display"/>
-                <a:ea typeface="Aptos Display"/>
-                <a:cs typeface="Aptos Display"/>
-              </a:rPr>
-              <a:t>3</a:t>
-            </a:r>
-            <a:r>
-              <a:rPr lang="en-GB" sz="4400" b="0" i="0" u="none" strike="noStrike" cap="none" spc="0">
-                <a:solidFill>
-                  <a:schemeClr val="bg1"/>
-                </a:solidFill>
-                <a:latin typeface="Aptos Display"/>
-                <a:ea typeface="Aptos Display"/>
-                <a:cs typeface="Aptos Display"/>
-              </a:rPr>
-              <a:t> – </a:t>
-            </a:r>
-            <a:r>
-              <a:rPr lang="en-US" sz="4400" b="0" i="0" u="none" strike="noStrike" cap="none" spc="0">
-                <a:solidFill>
-                  <a:schemeClr val="bg1"/>
-                </a:solidFill>
-                <a:latin typeface="Aptos Display"/>
-                <a:ea typeface="Aptos Display"/>
-                <a:cs typeface="Aptos Display"/>
+                <a:latin typeface="Times New Roman"/>
+                <a:ea typeface="Times New Roman"/>
+                <a:cs typeface="Times New Roman"/>
               </a:rPr>
               <a:t>IR SENSOR OBSTACLE AVOIDANCE</a:t>
             </a:r>
@@ -12220,7 +12110,7 @@
       </p:sp>
       <p:sp>
         <p:nvSpPr>
-          <p:cNvPr id="953383813" name="Content Placeholder 2"/>
+          <p:cNvPr id="351311561" name="Content Placeholder 2"/>
           <p:cNvSpPr>
             <a:spLocks noGrp="1"/>
           </p:cNvSpPr>
@@ -12267,7 +12157,7 @@
       </p:sp>
       <p:pic>
         <p:nvPicPr>
-          <p:cNvPr id="349664868" name="Picture 3"/>
+          <p:cNvPr id="638124997" name="Picture 3"/>
           <p:cNvPicPr>
             <a:picLocks noChangeAspect="1"/>
           </p:cNvPicPr>
@@ -12289,7 +12179,7 @@
       </p:pic>
       <p:pic>
         <p:nvPicPr>
-          <p:cNvPr id="1628108751" name=""/>
+          <p:cNvPr id="1290789024" name=""/>
           <p:cNvPicPr>
             <a:picLocks noChangeAspect="1"/>
           </p:cNvPicPr>
@@ -12311,7 +12201,7 @@
       </p:pic>
       <p:sp>
         <p:nvSpPr>
-          <p:cNvPr id="1073954455" name=""/>
+          <p:cNvPr id="125295344" name=""/>
           <p:cNvSpPr/>
           <p:nvPr/>
         </p:nvSpPr>
@@ -12346,7 +12236,7 @@
       </p:sp>
       <p:pic>
         <p:nvPicPr>
-          <p:cNvPr id="1593222027" name=""/>
+          <p:cNvPr id="558441761" name=""/>
           <p:cNvPicPr>
             <a:picLocks noChangeAspect="1"/>
           </p:cNvPicPr>
@@ -12408,7 +12298,7 @@
       </p:grpSpPr>
       <p:sp>
         <p:nvSpPr>
-          <p:cNvPr id="1286156175" name="Title 1"/>
+          <p:cNvPr id="1528836677" name="Title 1"/>
           <p:cNvSpPr>
             <a:spLocks noGrp="1"/>
           </p:cNvSpPr>
@@ -12430,46 +12320,13 @@
               <a:defRPr/>
             </a:pPr>
             <a:r>
-              <a:rPr lang="en-GB" sz="4400" b="0" i="0" u="none" strike="noStrike" cap="none" spc="0">
-                <a:solidFill>
-                  <a:schemeClr val="bg1"/>
-                </a:solidFill>
-                <a:latin typeface="Aptos Display"/>
-                <a:ea typeface="Aptos Display"/>
-                <a:cs typeface="Aptos Display"/>
-              </a:rPr>
-              <a:t>Lab Session </a:t>
-            </a:r>
-            <a:r>
               <a:rPr lang="en-US" sz="4400" b="0" i="0" u="none" strike="noStrike" cap="none" spc="0">
                 <a:solidFill>
                   <a:schemeClr val="bg1"/>
                 </a:solidFill>
-                <a:latin typeface="Aptos Display"/>
-                <a:ea typeface="Aptos Display"/>
-                <a:cs typeface="Aptos Display"/>
-              </a:rPr>
-              <a:t>3</a:t>
-            </a:r>
-            <a:r>
-              <a:rPr lang="en-GB" sz="4400" b="0" i="0" u="none" strike="noStrike" cap="none" spc="0">
-                <a:solidFill>
-                  <a:schemeClr val="bg1"/>
-                </a:solidFill>
-                <a:latin typeface="Aptos Display"/>
-                <a:ea typeface="Aptos Display"/>
-                <a:cs typeface="Aptos Display"/>
-              </a:rPr>
-              <a:t> – </a:t>
-            </a:r>
-            <a:r>
-              <a:rPr lang="en-US" sz="4400" b="0" i="0" u="none" strike="noStrike" cap="none" spc="0">
-                <a:solidFill>
-                  <a:schemeClr val="bg1"/>
-                </a:solidFill>
-                <a:latin typeface="Aptos Display"/>
-                <a:ea typeface="Aptos Display"/>
-                <a:cs typeface="Aptos Display"/>
+                <a:latin typeface="Times New Roman"/>
+                <a:ea typeface="Times New Roman"/>
+                <a:cs typeface="Times New Roman"/>
               </a:rPr>
               <a:t>IR SENSOR OBSTACLE AVOIDANCE</a:t>
             </a:r>
@@ -12479,7 +12336,7 @@
       </p:sp>
       <p:sp>
         <p:nvSpPr>
-          <p:cNvPr id="1668698586" name="Content Placeholder 2"/>
+          <p:cNvPr id="1154308132" name="Content Placeholder 2"/>
           <p:cNvSpPr>
             <a:spLocks noGrp="1"/>
           </p:cNvSpPr>
@@ -12537,7 +12394,7 @@
       </p:sp>
       <p:pic>
         <p:nvPicPr>
-          <p:cNvPr id="848487121" name="Picture 3"/>
+          <p:cNvPr id="847524611" name="Picture 3"/>
           <p:cNvPicPr>
             <a:picLocks noChangeAspect="1"/>
           </p:cNvPicPr>
@@ -12559,7 +12416,7 @@
       </p:pic>
       <p:pic>
         <p:nvPicPr>
-          <p:cNvPr id="106723096" name=""/>
+          <p:cNvPr id="702910793" name=""/>
           <p:cNvPicPr>
             <a:picLocks noChangeAspect="1"/>
           </p:cNvPicPr>
@@ -12581,7 +12438,7 @@
       </p:pic>
       <p:pic>
         <p:nvPicPr>
-          <p:cNvPr id="1802463505" name=""/>
+          <p:cNvPr id="953765244" name=""/>
           <p:cNvPicPr>
             <a:picLocks noChangeAspect="1"/>
           </p:cNvPicPr>
@@ -12603,7 +12460,7 @@
       </p:pic>
       <p:graphicFrame>
         <p:nvGraphicFramePr>
-          <p:cNvPr id="516159354" name=""/>
+          <p:cNvPr id="1791867934" name=""/>
           <p:cNvGraphicFramePr>
             <a:graphicFrameLocks xmlns:a="http://schemas.openxmlformats.org/drawingml/2006/main"/>
           </p:cNvGraphicFramePr>
@@ -13118,7 +12975,7 @@
       </p:graphicFrame>
       <p:sp>
         <p:nvSpPr>
-          <p:cNvPr id="837484687" name=""/>
+          <p:cNvPr id="129619792" name=""/>
           <p:cNvSpPr/>
           <p:nvPr/>
         </p:nvSpPr>
@@ -13245,7 +13102,7 @@
       </p:grpSpPr>
       <p:sp>
         <p:nvSpPr>
-          <p:cNvPr id="724311252" name="Title 1"/>
+          <p:cNvPr id="157888561" name="Title 1"/>
           <p:cNvSpPr>
             <a:spLocks noGrp="1"/>
           </p:cNvSpPr>
@@ -13267,46 +13124,13 @@
               <a:defRPr/>
             </a:pPr>
             <a:r>
-              <a:rPr lang="en-GB" sz="4400" b="0" i="0" u="none" strike="noStrike" cap="none" spc="0">
-                <a:solidFill>
-                  <a:schemeClr val="bg1"/>
-                </a:solidFill>
-                <a:latin typeface="Aptos Display"/>
-                <a:ea typeface="Aptos Display"/>
-                <a:cs typeface="Aptos Display"/>
-              </a:rPr>
-              <a:t>Lab Session </a:t>
-            </a:r>
-            <a:r>
               <a:rPr lang="en-US" sz="4400" b="0" i="0" u="none" strike="noStrike" cap="none" spc="0">
                 <a:solidFill>
                   <a:schemeClr val="bg1"/>
                 </a:solidFill>
-                <a:latin typeface="Aptos Display"/>
-                <a:ea typeface="Aptos Display"/>
-                <a:cs typeface="Aptos Display"/>
-              </a:rPr>
-              <a:t>3</a:t>
-            </a:r>
-            <a:r>
-              <a:rPr lang="en-GB" sz="4400" b="0" i="0" u="none" strike="noStrike" cap="none" spc="0">
-                <a:solidFill>
-                  <a:schemeClr val="bg1"/>
-                </a:solidFill>
-                <a:latin typeface="Aptos Display"/>
-                <a:ea typeface="Aptos Display"/>
-                <a:cs typeface="Aptos Display"/>
-              </a:rPr>
-              <a:t> – </a:t>
-            </a:r>
-            <a:r>
-              <a:rPr lang="en-US" sz="4400" b="0" i="0" u="none" strike="noStrike" cap="none" spc="0">
-                <a:solidFill>
-                  <a:schemeClr val="bg1"/>
-                </a:solidFill>
-                <a:latin typeface="Aptos Display"/>
-                <a:ea typeface="Aptos Display"/>
-                <a:cs typeface="Aptos Display"/>
+                <a:latin typeface="Times New Roman"/>
+                <a:ea typeface="Times New Roman"/>
+                <a:cs typeface="Times New Roman"/>
               </a:rPr>
               <a:t>IR SENSOR OBSTACLE AVOIDANCE</a:t>
             </a:r>
@@ -13316,7 +13140,7 @@
       </p:sp>
       <p:sp>
         <p:nvSpPr>
-          <p:cNvPr id="1128117180" name="Content Placeholder 2"/>
+          <p:cNvPr id="1956468379" name="Content Placeholder 2"/>
           <p:cNvSpPr>
             <a:spLocks noGrp="1"/>
           </p:cNvSpPr>
@@ -13368,7 +13192,7 @@
       </p:sp>
       <p:pic>
         <p:nvPicPr>
-          <p:cNvPr id="1729408174" name="Picture 3"/>
+          <p:cNvPr id="1227988597" name="Picture 3"/>
           <p:cNvPicPr>
             <a:picLocks noChangeAspect="1"/>
           </p:cNvPicPr>
@@ -13390,7 +13214,7 @@
       </p:pic>
       <p:graphicFrame>
         <p:nvGraphicFramePr>
-          <p:cNvPr id="1464966070" name=""/>
+          <p:cNvPr id="2085524353" name=""/>
           <p:cNvGraphicFramePr>
             <a:graphicFrameLocks xmlns:a="http://schemas.openxmlformats.org/drawingml/2006/main"/>
           </p:cNvGraphicFramePr>
@@ -14150,7 +13974,7 @@
       </p:graphicFrame>
       <p:graphicFrame>
         <p:nvGraphicFramePr>
-          <p:cNvPr id="1448239756" name=""/>
+          <p:cNvPr id="875306086" name=""/>
           <p:cNvGraphicFramePr>
             <a:graphicFrameLocks xmlns:a="http://schemas.openxmlformats.org/drawingml/2006/main"/>
           </p:cNvGraphicFramePr>
@@ -14374,7 +14198,7 @@
       </p:graphicFrame>
       <p:sp>
         <p:nvSpPr>
-          <p:cNvPr id="545321589" name=""/>
+          <p:cNvPr id="510305760" name=""/>
           <p:cNvSpPr/>
           <p:nvPr/>
         </p:nvSpPr>
@@ -14473,7 +14297,7 @@
       </p:grpSpPr>
       <p:sp>
         <p:nvSpPr>
-          <p:cNvPr id="597368260" name="Title 1"/>
+          <p:cNvPr id="839338379" name="Title 1"/>
           <p:cNvSpPr>
             <a:spLocks noGrp="1"/>
           </p:cNvSpPr>
@@ -14495,46 +14319,13 @@
               <a:defRPr/>
             </a:pPr>
             <a:r>
-              <a:rPr lang="en-GB" sz="4400" b="0" i="0" u="none" strike="noStrike" cap="none" spc="0">
-                <a:solidFill>
-                  <a:schemeClr val="bg1"/>
-                </a:solidFill>
-                <a:latin typeface="Aptos Display"/>
-                <a:ea typeface="Aptos Display"/>
-                <a:cs typeface="Aptos Display"/>
-              </a:rPr>
-              <a:t>Lab Session </a:t>
-            </a:r>
-            <a:r>
               <a:rPr lang="en-US" sz="4400" b="0" i="0" u="none" strike="noStrike" cap="none" spc="0">
                 <a:solidFill>
                   <a:schemeClr val="bg1"/>
                 </a:solidFill>
-                <a:latin typeface="Aptos Display"/>
-                <a:ea typeface="Aptos Display"/>
-                <a:cs typeface="Aptos Display"/>
-              </a:rPr>
-              <a:t>3</a:t>
-            </a:r>
-            <a:r>
-              <a:rPr lang="en-GB" sz="4400" b="0" i="0" u="none" strike="noStrike" cap="none" spc="0">
-                <a:solidFill>
-                  <a:schemeClr val="bg1"/>
-                </a:solidFill>
-                <a:latin typeface="Aptos Display"/>
-                <a:ea typeface="Aptos Display"/>
-                <a:cs typeface="Aptos Display"/>
-              </a:rPr>
-              <a:t> – </a:t>
-            </a:r>
-            <a:r>
-              <a:rPr lang="en-US" sz="4400" b="0" i="0" u="none" strike="noStrike" cap="none" spc="0">
-                <a:solidFill>
-                  <a:schemeClr val="bg1"/>
-                </a:solidFill>
-                <a:latin typeface="Aptos Display"/>
-                <a:ea typeface="Aptos Display"/>
-                <a:cs typeface="Aptos Display"/>
+                <a:latin typeface="Times New Roman"/>
+                <a:ea typeface="Times New Roman"/>
+                <a:cs typeface="Times New Roman"/>
               </a:rPr>
               <a:t>IR SENSOR OBSTACLE AVOIDANCE</a:t>
             </a:r>
@@ -14544,7 +14335,7 @@
       </p:sp>
       <p:sp>
         <p:nvSpPr>
-          <p:cNvPr id="1762577755" name="Content Placeholder 2"/>
+          <p:cNvPr id="2070803933" name="Content Placeholder 2"/>
           <p:cNvSpPr>
             <a:spLocks noGrp="1"/>
           </p:cNvSpPr>
@@ -14609,7 +14400,7 @@
       </p:sp>
       <p:pic>
         <p:nvPicPr>
-          <p:cNvPr id="1560589905" name="Picture 3"/>
+          <p:cNvPr id="462567163" name="Picture 3"/>
           <p:cNvPicPr>
             <a:picLocks noChangeAspect="1"/>
           </p:cNvPicPr>
@@ -14631,7 +14422,7 @@
       </p:pic>
       <p:graphicFrame>
         <p:nvGraphicFramePr>
-          <p:cNvPr id="530727152" name=""/>
+          <p:cNvPr id="2054709766" name=""/>
           <p:cNvGraphicFramePr>
             <a:graphicFrameLocks xmlns:a="http://schemas.openxmlformats.org/drawingml/2006/main"/>
           </p:cNvGraphicFramePr>
@@ -15148,7 +14939,7 @@
       </p:graphicFrame>
       <p:graphicFrame>
         <p:nvGraphicFramePr>
-          <p:cNvPr id="1066548450" name=""/>
+          <p:cNvPr id="1031881045" name=""/>
           <p:cNvGraphicFramePr>
             <a:graphicFrameLocks xmlns:a="http://schemas.openxmlformats.org/drawingml/2006/main"/>
           </p:cNvGraphicFramePr>
@@ -15665,7 +15456,7 @@
       </p:graphicFrame>
       <p:sp>
         <p:nvSpPr>
-          <p:cNvPr id="189865158" name=""/>
+          <p:cNvPr id="186414703" name=""/>
           <p:cNvSpPr/>
           <p:nvPr/>
         </p:nvSpPr>
@@ -15714,7 +15505,7 @@
       </p:sp>
       <p:graphicFrame>
         <p:nvGraphicFramePr>
-          <p:cNvPr id="9576899" name=""/>
+          <p:cNvPr id="78782717" name=""/>
           <p:cNvGraphicFramePr>
             <a:graphicFrameLocks xmlns:a="http://schemas.openxmlformats.org/drawingml/2006/main"/>
           </p:cNvGraphicFramePr>
@@ -16132,7 +15923,7 @@
       </p:graphicFrame>
       <p:sp>
         <p:nvSpPr>
-          <p:cNvPr id="1036052116" name=""/>
+          <p:cNvPr id="142737587" name=""/>
           <p:cNvSpPr txBox="1"/>
           <p:nvPr/>
         </p:nvSpPr>
@@ -16160,7 +15951,7 @@
       </p:sp>
       <p:sp>
         <p:nvSpPr>
-          <p:cNvPr id="1330268569" name=""/>
+          <p:cNvPr id="41332919" name=""/>
           <p:cNvSpPr/>
           <p:nvPr/>
         </p:nvSpPr>
@@ -16207,7 +15998,7 @@
       </p:sp>
       <p:sp>
         <p:nvSpPr>
-          <p:cNvPr id="208441742" name=""/>
+          <p:cNvPr id="1133918285" name=""/>
           <p:cNvSpPr txBox="1"/>
           <p:nvPr/>
         </p:nvSpPr>
@@ -16456,7 +16247,7 @@
       </p:grpSpPr>
       <p:sp>
         <p:nvSpPr>
-          <p:cNvPr id="1261101561" name="Title 1"/>
+          <p:cNvPr id="1132573990" name="Title 1"/>
           <p:cNvSpPr>
             <a:spLocks noGrp="1"/>
           </p:cNvSpPr>
@@ -16472,7 +16263,7 @@
         </p:spPr>
         <p:txBody>
           <a:bodyPr vertOverflow="overflow" horzOverflow="overflow" vert="horz" wrap="square" lIns="91440" tIns="45720" rIns="91440" bIns="45720" numCol="1" spcCol="0" rtlCol="0" fromWordArt="0" anchor="ctr" anchorCtr="0" forceAA="0" upright="0" compatLnSpc="0">
-            <a:normAutofit fontScale="95000" lnSpcReduction="1000"/>
+            <a:normAutofit/>
           </a:bodyPr>
           <a:lstStyle/>
           <a:p>
@@ -16480,46 +16271,13 @@
               <a:defRPr/>
             </a:pPr>
             <a:r>
-              <a:rPr lang="en-GB" sz="4400" b="0" i="0" u="none" strike="noStrike" cap="none" spc="0">
-                <a:solidFill>
-                  <a:schemeClr val="bg1"/>
-                </a:solidFill>
-                <a:latin typeface="Aptos Display"/>
-                <a:ea typeface="Aptos Display"/>
-                <a:cs typeface="Aptos Display"/>
-              </a:rPr>
-              <a:t>Lab Session </a:t>
-            </a:r>
-            <a:r>
               <a:rPr lang="en-US" sz="4400" b="0" i="0" u="none" strike="noStrike" cap="none" spc="0">
                 <a:solidFill>
                   <a:schemeClr val="bg1"/>
                 </a:solidFill>
-                <a:latin typeface="Aptos Display"/>
-                <a:ea typeface="Aptos Display"/>
-                <a:cs typeface="Aptos Display"/>
-              </a:rPr>
-              <a:t>3</a:t>
-            </a:r>
-            <a:r>
-              <a:rPr lang="en-GB" sz="4400" b="0" i="0" u="none" strike="noStrike" cap="none" spc="0">
-                <a:solidFill>
-                  <a:schemeClr val="bg1"/>
-                </a:solidFill>
-                <a:latin typeface="Aptos Display"/>
-                <a:ea typeface="Aptos Display"/>
-                <a:cs typeface="Aptos Display"/>
-              </a:rPr>
-              <a:t> – </a:t>
-            </a:r>
-            <a:r>
-              <a:rPr lang="en-US" sz="4400" b="0" i="0" u="none" strike="noStrike" cap="none" spc="0">
-                <a:solidFill>
-                  <a:schemeClr val="bg1"/>
-                </a:solidFill>
-                <a:latin typeface="Aptos Display"/>
-                <a:ea typeface="Aptos Display"/>
-                <a:cs typeface="Aptos Display"/>
+                <a:latin typeface="Times New Roman"/>
+                <a:ea typeface="Times New Roman"/>
+                <a:cs typeface="Times New Roman"/>
               </a:rPr>
               <a:t>IR SENSOR OBSTACLE AVOIDANCE</a:t>
             </a:r>
@@ -16529,7 +16287,7 @@
       </p:sp>
       <p:sp>
         <p:nvSpPr>
-          <p:cNvPr id="290408983" name="Content Placeholder 2"/>
+          <p:cNvPr id="283334134" name="Content Placeholder 2"/>
           <p:cNvSpPr>
             <a:spLocks noGrp="1"/>
           </p:cNvSpPr>
@@ -16892,7 +16650,7 @@
       </p:sp>
       <p:pic>
         <p:nvPicPr>
-          <p:cNvPr id="891783858" name="Picture 3"/>
+          <p:cNvPr id="721394324" name="Picture 3"/>
           <p:cNvPicPr>
             <a:picLocks noChangeAspect="1"/>
           </p:cNvPicPr>
@@ -16954,7 +16712,7 @@
       </p:grpSpPr>
       <p:sp>
         <p:nvSpPr>
-          <p:cNvPr id="704689240" name="Title 1"/>
+          <p:cNvPr id="1757711392" name="Title 1"/>
           <p:cNvSpPr>
             <a:spLocks noGrp="1"/>
           </p:cNvSpPr>
@@ -16964,13 +16722,13 @@
         </p:nvSpPr>
         <p:spPr bwMode="auto">
           <a:xfrm flipH="0" flipV="0">
-            <a:off x="597846" y="-4133"/>
+            <a:off x="170556" y="-4132"/>
             <a:ext cx="10515600" cy="1152473"/>
           </a:xfrm>
         </p:spPr>
         <p:txBody>
           <a:bodyPr vertOverflow="overflow" horzOverflow="overflow" vert="horz" wrap="square" lIns="91440" tIns="45720" rIns="91440" bIns="45720" numCol="1" spcCol="0" rtlCol="0" fromWordArt="0" anchor="ctr" anchorCtr="0" forceAA="0" upright="0" compatLnSpc="0">
-            <a:normAutofit fontScale="90000" lnSpcReduction="2000"/>
+            <a:normAutofit/>
           </a:bodyPr>
           <a:lstStyle/>
           <a:p>
@@ -16978,46 +16736,13 @@
               <a:defRPr/>
             </a:pPr>
             <a:r>
-              <a:rPr lang="en-GB" sz="4400" b="0" i="0" u="none" strike="noStrike" cap="none" spc="0">
-                <a:solidFill>
-                  <a:schemeClr val="bg1"/>
-                </a:solidFill>
-                <a:latin typeface="Aptos Display"/>
-                <a:ea typeface="Aptos Display"/>
-                <a:cs typeface="Aptos Display"/>
-              </a:rPr>
-              <a:t>Lab Session </a:t>
-            </a:r>
-            <a:r>
               <a:rPr lang="en-US" sz="4400" b="0" i="0" u="none" strike="noStrike" cap="none" spc="0">
                 <a:solidFill>
                   <a:schemeClr val="bg1"/>
                 </a:solidFill>
-                <a:latin typeface="Aptos Display"/>
-                <a:ea typeface="Aptos Display"/>
-                <a:cs typeface="Aptos Display"/>
-              </a:rPr>
-              <a:t>3</a:t>
-            </a:r>
-            <a:r>
-              <a:rPr lang="en-GB" sz="4400" b="0" i="0" u="none" strike="noStrike" cap="none" spc="0">
-                <a:solidFill>
-                  <a:schemeClr val="bg1"/>
-                </a:solidFill>
-                <a:latin typeface="Aptos Display"/>
-                <a:ea typeface="Aptos Display"/>
-                <a:cs typeface="Aptos Display"/>
-              </a:rPr>
-              <a:t> – </a:t>
-            </a:r>
-            <a:r>
-              <a:rPr lang="en-US" sz="4400" b="0" i="0" u="none" strike="noStrike" cap="none" spc="0">
-                <a:solidFill>
-                  <a:schemeClr val="bg1"/>
-                </a:solidFill>
-                <a:latin typeface="Aptos Display"/>
-                <a:ea typeface="Aptos Display"/>
-                <a:cs typeface="Aptos Display"/>
+                <a:latin typeface="Times New Roman"/>
+                <a:ea typeface="Times New Roman"/>
+                <a:cs typeface="Times New Roman"/>
               </a:rPr>
               <a:t>IR SENSOR OBSTACLE AVOIDANCE</a:t>
             </a:r>
@@ -17027,7 +16752,7 @@
       </p:sp>
       <p:sp>
         <p:nvSpPr>
-          <p:cNvPr id="451677008" name="Content Placeholder 2"/>
+          <p:cNvPr id="1121043691" name="Content Placeholder 2"/>
           <p:cNvSpPr>
             <a:spLocks noGrp="1"/>
           </p:cNvSpPr>
@@ -17425,7 +17150,7 @@
       </p:sp>
       <p:pic>
         <p:nvPicPr>
-          <p:cNvPr id="180615064" name="Picture 3"/>
+          <p:cNvPr id="251897242" name="Picture 3"/>
           <p:cNvPicPr>
             <a:picLocks noChangeAspect="1"/>
           </p:cNvPicPr>
@@ -17487,7 +17212,7 @@
       </p:grpSpPr>
       <p:sp>
         <p:nvSpPr>
-          <p:cNvPr id="1351031855" name="Title 1"/>
+          <p:cNvPr id="1956734454" name="Title 1"/>
           <p:cNvSpPr>
             <a:spLocks noGrp="1"/>
           </p:cNvSpPr>
@@ -17497,7 +17222,7 @@
         </p:nvSpPr>
         <p:spPr bwMode="auto">
           <a:xfrm>
-            <a:off x="838198" y="156101"/>
+            <a:off x="348594" y="-79300"/>
             <a:ext cx="10515600" cy="1325562"/>
           </a:xfrm>
         </p:spPr>
@@ -17509,15 +17234,15 @@
               <a:defRPr/>
             </a:pPr>
             <a:r>
-              <a:rPr sz="3600" b="0" i="0" u="none">
-                <a:solidFill>
-                  <a:schemeClr val="bg1"/>
-                </a:solidFill>
-                <a:latin typeface="Aptos Display"/>
-                <a:ea typeface="Aptos Display"/>
-                <a:cs typeface="Aptos Display"/>
-              </a:rPr>
-              <a:t>Distance Measurement Functionality</a:t>
+              <a:rPr lang="en-US" sz="3600" b="0" i="0" u="none" strike="noStrike" cap="none" spc="0">
+                <a:solidFill>
+                  <a:schemeClr val="bg1"/>
+                </a:solidFill>
+                <a:latin typeface="Times New Roman"/>
+                <a:ea typeface="Times New Roman"/>
+                <a:cs typeface="Times New Roman"/>
+              </a:rPr>
+              <a:t>IR SENSOR OBSTACLE AVOIDANCE</a:t>
             </a:r>
             <a:endParaRPr/>
           </a:p>
@@ -17525,7 +17250,7 @@
       </p:sp>
       <p:sp>
         <p:nvSpPr>
-          <p:cNvPr id="167380325" name="Content Placeholder 2"/>
+          <p:cNvPr id="1768669217" name="Content Placeholder 2"/>
           <p:cNvSpPr>
             <a:spLocks noGrp="1"/>
           </p:cNvSpPr>
@@ -17535,8 +17260,8 @@
         </p:nvSpPr>
         <p:spPr bwMode="auto">
           <a:xfrm flipH="0" flipV="0">
-            <a:off x="838198" y="1246261"/>
-            <a:ext cx="10515600" cy="5189789"/>
+            <a:off x="419298" y="1246260"/>
+            <a:ext cx="10934498" cy="5189788"/>
           </a:xfrm>
         </p:spPr>
         <p:txBody>
@@ -17811,7 +17536,7 @@
       </p:sp>
       <p:pic>
         <p:nvPicPr>
-          <p:cNvPr id="1726106835" name="Picture 3"/>
+          <p:cNvPr id="1425606863" name="Picture 3"/>
           <p:cNvPicPr>
             <a:picLocks noChangeAspect="1"/>
           </p:cNvPicPr>
@@ -17833,7 +17558,7 @@
       </p:pic>
       <p:graphicFrame>
         <p:nvGraphicFramePr>
-          <p:cNvPr id="1021417294" name=""/>
+          <p:cNvPr id="709802497" name=""/>
           <p:cNvGraphicFramePr>
             <a:graphicFrameLocks xmlns:a="http://schemas.openxmlformats.org/drawingml/2006/main"/>
           </p:cNvGraphicFramePr>
